--- a/slides/Introduction to DocFX.pptx
+++ b/slides/Introduction to DocFX.pptx
@@ -5,18 +5,29 @@
     <p:sldMasterId id="2147483696" r:id="rId1"/>
   </p:sldMasterIdLst>
   <p:notesMasterIdLst>
-    <p:notesMasterId r:id="rId8"/>
+    <p:notesMasterId r:id="rId19"/>
   </p:notesMasterIdLst>
   <p:handoutMasterIdLst>
-    <p:handoutMasterId r:id="rId9"/>
+    <p:handoutMasterId r:id="rId20"/>
   </p:handoutMasterIdLst>
   <p:sldIdLst>
     <p:sldId id="257" r:id="rId2"/>
     <p:sldId id="258" r:id="rId3"/>
-    <p:sldId id="259" r:id="rId4"/>
-    <p:sldId id="260" r:id="rId5"/>
-    <p:sldId id="261" r:id="rId6"/>
-    <p:sldId id="262" r:id="rId7"/>
+    <p:sldId id="263" r:id="rId4"/>
+    <p:sldId id="264" r:id="rId5"/>
+    <p:sldId id="265" r:id="rId6"/>
+    <p:sldId id="259" r:id="rId7"/>
+    <p:sldId id="260" r:id="rId8"/>
+    <p:sldId id="261" r:id="rId9"/>
+    <p:sldId id="262" r:id="rId10"/>
+    <p:sldId id="266" r:id="rId11"/>
+    <p:sldId id="267" r:id="rId12"/>
+    <p:sldId id="270" r:id="rId13"/>
+    <p:sldId id="271" r:id="rId14"/>
+    <p:sldId id="269" r:id="rId15"/>
+    <p:sldId id="272" r:id="rId16"/>
+    <p:sldId id="273" r:id="rId17"/>
+    <p:sldId id="268" r:id="rId18"/>
   </p:sldIdLst>
   <p:sldSz cx="12192000" cy="6858000"/>
   <p:notesSz cx="6858000" cy="9144000"/>
@@ -745,6 +756,678 @@
 </p:notes>
 </file>
 
+<file path=ppt/notesSlides/notesSlide10.xml><?xml version="1.0" encoding="utf-8"?>
+<p:notes xmlns:a="http://schemas.openxmlformats.org/drawingml/2006/main" xmlns:r="http://schemas.openxmlformats.org/officeDocument/2006/relationships" xmlns:p="http://schemas.openxmlformats.org/presentationml/2006/main">
+  <p:cSld>
+    <p:spTree>
+      <p:nvGrpSpPr>
+        <p:cNvPr id="1" name=""/>
+        <p:cNvGrpSpPr/>
+        <p:nvPr/>
+      </p:nvGrpSpPr>
+      <p:grpSpPr>
+        <a:xfrm>
+          <a:off x="0" y="0"/>
+          <a:ext cx="0" cy="0"/>
+          <a:chOff x="0" y="0"/>
+          <a:chExt cx="0" cy="0"/>
+        </a:xfrm>
+      </p:grpSpPr>
+      <p:sp>
+        <p:nvSpPr>
+          <p:cNvPr id="2" name="Slide Image Placeholder 1"/>
+          <p:cNvSpPr>
+            <a:spLocks noGrp="1" noRot="1" noChangeAspect="1"/>
+          </p:cNvSpPr>
+          <p:nvPr>
+            <p:ph type="sldImg"/>
+          </p:nvPr>
+        </p:nvSpPr>
+        <p:spPr/>
+      </p:sp>
+      <p:sp>
+        <p:nvSpPr>
+          <p:cNvPr id="3" name="Notes Placeholder 2"/>
+          <p:cNvSpPr>
+            <a:spLocks noGrp="1"/>
+          </p:cNvSpPr>
+          <p:nvPr>
+            <p:ph type="body" idx="1"/>
+          </p:nvPr>
+        </p:nvSpPr>
+        <p:spPr/>
+        <p:txBody>
+          <a:bodyPr/>
+          <a:lstStyle/>
+          <a:p>
+            <a:endParaRPr lang="en-US"/>
+          </a:p>
+        </p:txBody>
+      </p:sp>
+      <p:sp>
+        <p:nvSpPr>
+          <p:cNvPr id="4" name="Slide Number Placeholder 3"/>
+          <p:cNvSpPr>
+            <a:spLocks noGrp="1"/>
+          </p:cNvSpPr>
+          <p:nvPr>
+            <p:ph type="sldNum" sz="quarter" idx="10"/>
+          </p:nvPr>
+        </p:nvSpPr>
+        <p:spPr/>
+        <p:txBody>
+          <a:bodyPr/>
+          <a:lstStyle/>
+          <a:p>
+            <a:fld id="{32674CE4-FBD8-4481-AEFB-CA53E599A745}" type="slidenum">
+              <a:rPr lang="en-US" smtClean="0"/>
+              <a:t>10</a:t>
+            </a:fld>
+            <a:endParaRPr lang="en-US" dirty="0"/>
+          </a:p>
+        </p:txBody>
+      </p:sp>
+    </p:spTree>
+    <p:extLst>
+      <p:ext uri="{BB962C8B-B14F-4D97-AF65-F5344CB8AC3E}">
+        <p14:creationId xmlns:p14="http://schemas.microsoft.com/office/powerpoint/2010/main" val="158823685"/>
+      </p:ext>
+    </p:extLst>
+  </p:cSld>
+  <p:clrMapOvr>
+    <a:masterClrMapping/>
+  </p:clrMapOvr>
+</p:notes>
+</file>
+
+<file path=ppt/notesSlides/notesSlide11.xml><?xml version="1.0" encoding="utf-8"?>
+<p:notes xmlns:a="http://schemas.openxmlformats.org/drawingml/2006/main" xmlns:r="http://schemas.openxmlformats.org/officeDocument/2006/relationships" xmlns:p="http://schemas.openxmlformats.org/presentationml/2006/main">
+  <p:cSld>
+    <p:spTree>
+      <p:nvGrpSpPr>
+        <p:cNvPr id="1" name=""/>
+        <p:cNvGrpSpPr/>
+        <p:nvPr/>
+      </p:nvGrpSpPr>
+      <p:grpSpPr>
+        <a:xfrm>
+          <a:off x="0" y="0"/>
+          <a:ext cx="0" cy="0"/>
+          <a:chOff x="0" y="0"/>
+          <a:chExt cx="0" cy="0"/>
+        </a:xfrm>
+      </p:grpSpPr>
+      <p:sp>
+        <p:nvSpPr>
+          <p:cNvPr id="2" name="Slide Image Placeholder 1"/>
+          <p:cNvSpPr>
+            <a:spLocks noGrp="1" noRot="1" noChangeAspect="1"/>
+          </p:cNvSpPr>
+          <p:nvPr>
+            <p:ph type="sldImg"/>
+          </p:nvPr>
+        </p:nvSpPr>
+        <p:spPr/>
+      </p:sp>
+      <p:sp>
+        <p:nvSpPr>
+          <p:cNvPr id="3" name="Notes Placeholder 2"/>
+          <p:cNvSpPr>
+            <a:spLocks noGrp="1"/>
+          </p:cNvSpPr>
+          <p:nvPr>
+            <p:ph type="body" idx="1"/>
+          </p:nvPr>
+        </p:nvSpPr>
+        <p:spPr/>
+        <p:txBody>
+          <a:bodyPr/>
+          <a:lstStyle/>
+          <a:p>
+            <a:endParaRPr lang="en-US"/>
+          </a:p>
+        </p:txBody>
+      </p:sp>
+      <p:sp>
+        <p:nvSpPr>
+          <p:cNvPr id="4" name="Slide Number Placeholder 3"/>
+          <p:cNvSpPr>
+            <a:spLocks noGrp="1"/>
+          </p:cNvSpPr>
+          <p:nvPr>
+            <p:ph type="sldNum" sz="quarter" idx="10"/>
+          </p:nvPr>
+        </p:nvSpPr>
+        <p:spPr/>
+        <p:txBody>
+          <a:bodyPr/>
+          <a:lstStyle/>
+          <a:p>
+            <a:fld id="{32674CE4-FBD8-4481-AEFB-CA53E599A745}" type="slidenum">
+              <a:rPr lang="en-US" smtClean="0"/>
+              <a:t>11</a:t>
+            </a:fld>
+            <a:endParaRPr lang="en-US" dirty="0"/>
+          </a:p>
+        </p:txBody>
+      </p:sp>
+    </p:spTree>
+    <p:extLst>
+      <p:ext uri="{BB962C8B-B14F-4D97-AF65-F5344CB8AC3E}">
+        <p14:creationId xmlns:p14="http://schemas.microsoft.com/office/powerpoint/2010/main" val="2801467352"/>
+      </p:ext>
+    </p:extLst>
+  </p:cSld>
+  <p:clrMapOvr>
+    <a:masterClrMapping/>
+  </p:clrMapOvr>
+</p:notes>
+</file>
+
+<file path=ppt/notesSlides/notesSlide12.xml><?xml version="1.0" encoding="utf-8"?>
+<p:notes xmlns:a="http://schemas.openxmlformats.org/drawingml/2006/main" xmlns:r="http://schemas.openxmlformats.org/officeDocument/2006/relationships" xmlns:p="http://schemas.openxmlformats.org/presentationml/2006/main">
+  <p:cSld>
+    <p:spTree>
+      <p:nvGrpSpPr>
+        <p:cNvPr id="1" name=""/>
+        <p:cNvGrpSpPr/>
+        <p:nvPr/>
+      </p:nvGrpSpPr>
+      <p:grpSpPr>
+        <a:xfrm>
+          <a:off x="0" y="0"/>
+          <a:ext cx="0" cy="0"/>
+          <a:chOff x="0" y="0"/>
+          <a:chExt cx="0" cy="0"/>
+        </a:xfrm>
+      </p:grpSpPr>
+      <p:sp>
+        <p:nvSpPr>
+          <p:cNvPr id="2" name="Slide Image Placeholder 1"/>
+          <p:cNvSpPr>
+            <a:spLocks noGrp="1" noRot="1" noChangeAspect="1"/>
+          </p:cNvSpPr>
+          <p:nvPr>
+            <p:ph type="sldImg"/>
+          </p:nvPr>
+        </p:nvSpPr>
+        <p:spPr/>
+      </p:sp>
+      <p:sp>
+        <p:nvSpPr>
+          <p:cNvPr id="3" name="Notes Placeholder 2"/>
+          <p:cNvSpPr>
+            <a:spLocks noGrp="1"/>
+          </p:cNvSpPr>
+          <p:nvPr>
+            <p:ph type="body" idx="1"/>
+          </p:nvPr>
+        </p:nvSpPr>
+        <p:spPr/>
+        <p:txBody>
+          <a:bodyPr/>
+          <a:lstStyle/>
+          <a:p>
+            <a:endParaRPr lang="en-US"/>
+          </a:p>
+        </p:txBody>
+      </p:sp>
+      <p:sp>
+        <p:nvSpPr>
+          <p:cNvPr id="4" name="Slide Number Placeholder 3"/>
+          <p:cNvSpPr>
+            <a:spLocks noGrp="1"/>
+          </p:cNvSpPr>
+          <p:nvPr>
+            <p:ph type="sldNum" sz="quarter" idx="10"/>
+          </p:nvPr>
+        </p:nvSpPr>
+        <p:spPr/>
+        <p:txBody>
+          <a:bodyPr/>
+          <a:lstStyle/>
+          <a:p>
+            <a:fld id="{32674CE4-FBD8-4481-AEFB-CA53E599A745}" type="slidenum">
+              <a:rPr lang="en-US" smtClean="0"/>
+              <a:t>12</a:t>
+            </a:fld>
+            <a:endParaRPr lang="en-US" dirty="0"/>
+          </a:p>
+        </p:txBody>
+      </p:sp>
+    </p:spTree>
+    <p:extLst>
+      <p:ext uri="{BB962C8B-B14F-4D97-AF65-F5344CB8AC3E}">
+        <p14:creationId xmlns:p14="http://schemas.microsoft.com/office/powerpoint/2010/main" val="3102335850"/>
+      </p:ext>
+    </p:extLst>
+  </p:cSld>
+  <p:clrMapOvr>
+    <a:masterClrMapping/>
+  </p:clrMapOvr>
+</p:notes>
+</file>
+
+<file path=ppt/notesSlides/notesSlide13.xml><?xml version="1.0" encoding="utf-8"?>
+<p:notes xmlns:a="http://schemas.openxmlformats.org/drawingml/2006/main" xmlns:r="http://schemas.openxmlformats.org/officeDocument/2006/relationships" xmlns:p="http://schemas.openxmlformats.org/presentationml/2006/main">
+  <p:cSld>
+    <p:spTree>
+      <p:nvGrpSpPr>
+        <p:cNvPr id="1" name=""/>
+        <p:cNvGrpSpPr/>
+        <p:nvPr/>
+      </p:nvGrpSpPr>
+      <p:grpSpPr>
+        <a:xfrm>
+          <a:off x="0" y="0"/>
+          <a:ext cx="0" cy="0"/>
+          <a:chOff x="0" y="0"/>
+          <a:chExt cx="0" cy="0"/>
+        </a:xfrm>
+      </p:grpSpPr>
+      <p:sp>
+        <p:nvSpPr>
+          <p:cNvPr id="2" name="Slide Image Placeholder 1"/>
+          <p:cNvSpPr>
+            <a:spLocks noGrp="1" noRot="1" noChangeAspect="1"/>
+          </p:cNvSpPr>
+          <p:nvPr>
+            <p:ph type="sldImg"/>
+          </p:nvPr>
+        </p:nvSpPr>
+        <p:spPr/>
+      </p:sp>
+      <p:sp>
+        <p:nvSpPr>
+          <p:cNvPr id="3" name="Notes Placeholder 2"/>
+          <p:cNvSpPr>
+            <a:spLocks noGrp="1"/>
+          </p:cNvSpPr>
+          <p:nvPr>
+            <p:ph type="body" idx="1"/>
+          </p:nvPr>
+        </p:nvSpPr>
+        <p:spPr/>
+        <p:txBody>
+          <a:bodyPr/>
+          <a:lstStyle/>
+          <a:p>
+            <a:endParaRPr lang="en-US"/>
+          </a:p>
+        </p:txBody>
+      </p:sp>
+      <p:sp>
+        <p:nvSpPr>
+          <p:cNvPr id="4" name="Slide Number Placeholder 3"/>
+          <p:cNvSpPr>
+            <a:spLocks noGrp="1"/>
+          </p:cNvSpPr>
+          <p:nvPr>
+            <p:ph type="sldNum" sz="quarter" idx="10"/>
+          </p:nvPr>
+        </p:nvSpPr>
+        <p:spPr/>
+        <p:txBody>
+          <a:bodyPr/>
+          <a:lstStyle/>
+          <a:p>
+            <a:fld id="{32674CE4-FBD8-4481-AEFB-CA53E599A745}" type="slidenum">
+              <a:rPr lang="en-US" smtClean="0"/>
+              <a:t>13</a:t>
+            </a:fld>
+            <a:endParaRPr lang="en-US" dirty="0"/>
+          </a:p>
+        </p:txBody>
+      </p:sp>
+    </p:spTree>
+    <p:extLst>
+      <p:ext uri="{BB962C8B-B14F-4D97-AF65-F5344CB8AC3E}">
+        <p14:creationId xmlns:p14="http://schemas.microsoft.com/office/powerpoint/2010/main" val="4196564137"/>
+      </p:ext>
+    </p:extLst>
+  </p:cSld>
+  <p:clrMapOvr>
+    <a:masterClrMapping/>
+  </p:clrMapOvr>
+</p:notes>
+</file>
+
+<file path=ppt/notesSlides/notesSlide14.xml><?xml version="1.0" encoding="utf-8"?>
+<p:notes xmlns:a="http://schemas.openxmlformats.org/drawingml/2006/main" xmlns:r="http://schemas.openxmlformats.org/officeDocument/2006/relationships" xmlns:p="http://schemas.openxmlformats.org/presentationml/2006/main">
+  <p:cSld>
+    <p:spTree>
+      <p:nvGrpSpPr>
+        <p:cNvPr id="1" name=""/>
+        <p:cNvGrpSpPr/>
+        <p:nvPr/>
+      </p:nvGrpSpPr>
+      <p:grpSpPr>
+        <a:xfrm>
+          <a:off x="0" y="0"/>
+          <a:ext cx="0" cy="0"/>
+          <a:chOff x="0" y="0"/>
+          <a:chExt cx="0" cy="0"/>
+        </a:xfrm>
+      </p:grpSpPr>
+      <p:sp>
+        <p:nvSpPr>
+          <p:cNvPr id="2" name="Slide Image Placeholder 1"/>
+          <p:cNvSpPr>
+            <a:spLocks noGrp="1" noRot="1" noChangeAspect="1"/>
+          </p:cNvSpPr>
+          <p:nvPr>
+            <p:ph type="sldImg"/>
+          </p:nvPr>
+        </p:nvSpPr>
+        <p:spPr/>
+      </p:sp>
+      <p:sp>
+        <p:nvSpPr>
+          <p:cNvPr id="3" name="Notes Placeholder 2"/>
+          <p:cNvSpPr>
+            <a:spLocks noGrp="1"/>
+          </p:cNvSpPr>
+          <p:nvPr>
+            <p:ph type="body" idx="1"/>
+          </p:nvPr>
+        </p:nvSpPr>
+        <p:spPr/>
+        <p:txBody>
+          <a:bodyPr/>
+          <a:lstStyle/>
+          <a:p>
+            <a:endParaRPr lang="en-US"/>
+          </a:p>
+        </p:txBody>
+      </p:sp>
+      <p:sp>
+        <p:nvSpPr>
+          <p:cNvPr id="4" name="Slide Number Placeholder 3"/>
+          <p:cNvSpPr>
+            <a:spLocks noGrp="1"/>
+          </p:cNvSpPr>
+          <p:nvPr>
+            <p:ph type="sldNum" sz="quarter" idx="10"/>
+          </p:nvPr>
+        </p:nvSpPr>
+        <p:spPr/>
+        <p:txBody>
+          <a:bodyPr/>
+          <a:lstStyle/>
+          <a:p>
+            <a:fld id="{32674CE4-FBD8-4481-AEFB-CA53E599A745}" type="slidenum">
+              <a:rPr lang="en-US" smtClean="0"/>
+              <a:t>14</a:t>
+            </a:fld>
+            <a:endParaRPr lang="en-US" dirty="0"/>
+          </a:p>
+        </p:txBody>
+      </p:sp>
+    </p:spTree>
+    <p:extLst>
+      <p:ext uri="{BB962C8B-B14F-4D97-AF65-F5344CB8AC3E}">
+        <p14:creationId xmlns:p14="http://schemas.microsoft.com/office/powerpoint/2010/main" val="1735642388"/>
+      </p:ext>
+    </p:extLst>
+  </p:cSld>
+  <p:clrMapOvr>
+    <a:masterClrMapping/>
+  </p:clrMapOvr>
+</p:notes>
+</file>
+
+<file path=ppt/notesSlides/notesSlide15.xml><?xml version="1.0" encoding="utf-8"?>
+<p:notes xmlns:a="http://schemas.openxmlformats.org/drawingml/2006/main" xmlns:r="http://schemas.openxmlformats.org/officeDocument/2006/relationships" xmlns:p="http://schemas.openxmlformats.org/presentationml/2006/main">
+  <p:cSld>
+    <p:spTree>
+      <p:nvGrpSpPr>
+        <p:cNvPr id="1" name=""/>
+        <p:cNvGrpSpPr/>
+        <p:nvPr/>
+      </p:nvGrpSpPr>
+      <p:grpSpPr>
+        <a:xfrm>
+          <a:off x="0" y="0"/>
+          <a:ext cx="0" cy="0"/>
+          <a:chOff x="0" y="0"/>
+          <a:chExt cx="0" cy="0"/>
+        </a:xfrm>
+      </p:grpSpPr>
+      <p:sp>
+        <p:nvSpPr>
+          <p:cNvPr id="2" name="Slide Image Placeholder 1"/>
+          <p:cNvSpPr>
+            <a:spLocks noGrp="1" noRot="1" noChangeAspect="1"/>
+          </p:cNvSpPr>
+          <p:nvPr>
+            <p:ph type="sldImg"/>
+          </p:nvPr>
+        </p:nvSpPr>
+        <p:spPr/>
+      </p:sp>
+      <p:sp>
+        <p:nvSpPr>
+          <p:cNvPr id="3" name="Notes Placeholder 2"/>
+          <p:cNvSpPr>
+            <a:spLocks noGrp="1"/>
+          </p:cNvSpPr>
+          <p:nvPr>
+            <p:ph type="body" idx="1"/>
+          </p:nvPr>
+        </p:nvSpPr>
+        <p:spPr/>
+        <p:txBody>
+          <a:bodyPr/>
+          <a:lstStyle/>
+          <a:p>
+            <a:endParaRPr lang="en-US"/>
+          </a:p>
+        </p:txBody>
+      </p:sp>
+      <p:sp>
+        <p:nvSpPr>
+          <p:cNvPr id="4" name="Slide Number Placeholder 3"/>
+          <p:cNvSpPr>
+            <a:spLocks noGrp="1"/>
+          </p:cNvSpPr>
+          <p:nvPr>
+            <p:ph type="sldNum" sz="quarter" idx="10"/>
+          </p:nvPr>
+        </p:nvSpPr>
+        <p:spPr/>
+        <p:txBody>
+          <a:bodyPr/>
+          <a:lstStyle/>
+          <a:p>
+            <a:fld id="{32674CE4-FBD8-4481-AEFB-CA53E599A745}" type="slidenum">
+              <a:rPr lang="en-US" smtClean="0"/>
+              <a:t>15</a:t>
+            </a:fld>
+            <a:endParaRPr lang="en-US" dirty="0"/>
+          </a:p>
+        </p:txBody>
+      </p:sp>
+    </p:spTree>
+    <p:extLst>
+      <p:ext uri="{BB962C8B-B14F-4D97-AF65-F5344CB8AC3E}">
+        <p14:creationId xmlns:p14="http://schemas.microsoft.com/office/powerpoint/2010/main" val="2096320541"/>
+      </p:ext>
+    </p:extLst>
+  </p:cSld>
+  <p:clrMapOvr>
+    <a:masterClrMapping/>
+  </p:clrMapOvr>
+</p:notes>
+</file>
+
+<file path=ppt/notesSlides/notesSlide16.xml><?xml version="1.0" encoding="utf-8"?>
+<p:notes xmlns:a="http://schemas.openxmlformats.org/drawingml/2006/main" xmlns:r="http://schemas.openxmlformats.org/officeDocument/2006/relationships" xmlns:p="http://schemas.openxmlformats.org/presentationml/2006/main">
+  <p:cSld>
+    <p:spTree>
+      <p:nvGrpSpPr>
+        <p:cNvPr id="1" name=""/>
+        <p:cNvGrpSpPr/>
+        <p:nvPr/>
+      </p:nvGrpSpPr>
+      <p:grpSpPr>
+        <a:xfrm>
+          <a:off x="0" y="0"/>
+          <a:ext cx="0" cy="0"/>
+          <a:chOff x="0" y="0"/>
+          <a:chExt cx="0" cy="0"/>
+        </a:xfrm>
+      </p:grpSpPr>
+      <p:sp>
+        <p:nvSpPr>
+          <p:cNvPr id="2" name="Slide Image Placeholder 1"/>
+          <p:cNvSpPr>
+            <a:spLocks noGrp="1" noRot="1" noChangeAspect="1"/>
+          </p:cNvSpPr>
+          <p:nvPr>
+            <p:ph type="sldImg"/>
+          </p:nvPr>
+        </p:nvSpPr>
+        <p:spPr/>
+      </p:sp>
+      <p:sp>
+        <p:nvSpPr>
+          <p:cNvPr id="3" name="Notes Placeholder 2"/>
+          <p:cNvSpPr>
+            <a:spLocks noGrp="1"/>
+          </p:cNvSpPr>
+          <p:nvPr>
+            <p:ph type="body" idx="1"/>
+          </p:nvPr>
+        </p:nvSpPr>
+        <p:spPr/>
+        <p:txBody>
+          <a:bodyPr/>
+          <a:lstStyle/>
+          <a:p>
+            <a:endParaRPr lang="en-US"/>
+          </a:p>
+        </p:txBody>
+      </p:sp>
+      <p:sp>
+        <p:nvSpPr>
+          <p:cNvPr id="4" name="Slide Number Placeholder 3"/>
+          <p:cNvSpPr>
+            <a:spLocks noGrp="1"/>
+          </p:cNvSpPr>
+          <p:nvPr>
+            <p:ph type="sldNum" sz="quarter" idx="10"/>
+          </p:nvPr>
+        </p:nvSpPr>
+        <p:spPr/>
+        <p:txBody>
+          <a:bodyPr/>
+          <a:lstStyle/>
+          <a:p>
+            <a:fld id="{32674CE4-FBD8-4481-AEFB-CA53E599A745}" type="slidenum">
+              <a:rPr lang="en-US" smtClean="0"/>
+              <a:t>16</a:t>
+            </a:fld>
+            <a:endParaRPr lang="en-US" dirty="0"/>
+          </a:p>
+        </p:txBody>
+      </p:sp>
+    </p:spTree>
+    <p:extLst>
+      <p:ext uri="{BB962C8B-B14F-4D97-AF65-F5344CB8AC3E}">
+        <p14:creationId xmlns:p14="http://schemas.microsoft.com/office/powerpoint/2010/main" val="2059812998"/>
+      </p:ext>
+    </p:extLst>
+  </p:cSld>
+  <p:clrMapOvr>
+    <a:masterClrMapping/>
+  </p:clrMapOvr>
+</p:notes>
+</file>
+
+<file path=ppt/notesSlides/notesSlide17.xml><?xml version="1.0" encoding="utf-8"?>
+<p:notes xmlns:a="http://schemas.openxmlformats.org/drawingml/2006/main" xmlns:r="http://schemas.openxmlformats.org/officeDocument/2006/relationships" xmlns:p="http://schemas.openxmlformats.org/presentationml/2006/main">
+  <p:cSld>
+    <p:spTree>
+      <p:nvGrpSpPr>
+        <p:cNvPr id="1" name=""/>
+        <p:cNvGrpSpPr/>
+        <p:nvPr/>
+      </p:nvGrpSpPr>
+      <p:grpSpPr>
+        <a:xfrm>
+          <a:off x="0" y="0"/>
+          <a:ext cx="0" cy="0"/>
+          <a:chOff x="0" y="0"/>
+          <a:chExt cx="0" cy="0"/>
+        </a:xfrm>
+      </p:grpSpPr>
+      <p:sp>
+        <p:nvSpPr>
+          <p:cNvPr id="2" name="Slide Image Placeholder 1"/>
+          <p:cNvSpPr>
+            <a:spLocks noGrp="1" noRot="1" noChangeAspect="1"/>
+          </p:cNvSpPr>
+          <p:nvPr>
+            <p:ph type="sldImg"/>
+          </p:nvPr>
+        </p:nvSpPr>
+        <p:spPr/>
+      </p:sp>
+      <p:sp>
+        <p:nvSpPr>
+          <p:cNvPr id="3" name="Notes Placeholder 2"/>
+          <p:cNvSpPr>
+            <a:spLocks noGrp="1"/>
+          </p:cNvSpPr>
+          <p:nvPr>
+            <p:ph type="body" idx="1"/>
+          </p:nvPr>
+        </p:nvSpPr>
+        <p:spPr/>
+        <p:txBody>
+          <a:bodyPr/>
+          <a:lstStyle/>
+          <a:p>
+            <a:endParaRPr lang="en-US"/>
+          </a:p>
+        </p:txBody>
+      </p:sp>
+      <p:sp>
+        <p:nvSpPr>
+          <p:cNvPr id="4" name="Slide Number Placeholder 3"/>
+          <p:cNvSpPr>
+            <a:spLocks noGrp="1"/>
+          </p:cNvSpPr>
+          <p:nvPr>
+            <p:ph type="sldNum" sz="quarter" idx="10"/>
+          </p:nvPr>
+        </p:nvSpPr>
+        <p:spPr/>
+        <p:txBody>
+          <a:bodyPr/>
+          <a:lstStyle/>
+          <a:p>
+            <a:fld id="{32674CE4-FBD8-4481-AEFB-CA53E599A745}" type="slidenum">
+              <a:rPr lang="en-US" smtClean="0"/>
+              <a:t>17</a:t>
+            </a:fld>
+            <a:endParaRPr lang="en-US" dirty="0"/>
+          </a:p>
+        </p:txBody>
+      </p:sp>
+    </p:spTree>
+    <p:extLst>
+      <p:ext uri="{BB962C8B-B14F-4D97-AF65-F5344CB8AC3E}">
+        <p14:creationId xmlns:p14="http://schemas.microsoft.com/office/powerpoint/2010/main" val="240841614"/>
+      </p:ext>
+    </p:extLst>
+  </p:cSld>
+  <p:clrMapOvr>
+    <a:masterClrMapping/>
+  </p:clrMapOvr>
+</p:notes>
+</file>
+
 <file path=ppt/notesSlides/notesSlide2.xml><?xml version="1.0" encoding="utf-8"?>
 <p:notes xmlns:a="http://schemas.openxmlformats.org/drawingml/2006/main" xmlns:r="http://schemas.openxmlformats.org/officeDocument/2006/relationships" xmlns:p="http://schemas.openxmlformats.org/presentationml/2006/main">
   <p:cSld>
@@ -877,7 +1560,7 @@
           <a:bodyPr/>
           <a:lstStyle/>
           <a:p>
-            <a:endParaRPr lang="en-GB"/>
+            <a:endParaRPr lang="en-US"/>
           </a:p>
         </p:txBody>
       </p:sp>
@@ -907,7 +1590,7 @@
     </p:spTree>
     <p:extLst>
       <p:ext uri="{BB962C8B-B14F-4D97-AF65-F5344CB8AC3E}">
-        <p14:creationId xmlns:p14="http://schemas.microsoft.com/office/powerpoint/2010/main" val="1540102197"/>
+        <p14:creationId xmlns:p14="http://schemas.microsoft.com/office/powerpoint/2010/main" val="2988580705"/>
       </p:ext>
     </p:extLst>
   </p:cSld>
@@ -961,7 +1644,7 @@
           <a:bodyPr/>
           <a:lstStyle/>
           <a:p>
-            <a:endParaRPr lang="en-GB"/>
+            <a:endParaRPr lang="en-US"/>
           </a:p>
         </p:txBody>
       </p:sp>
@@ -991,7 +1674,7 @@
     </p:spTree>
     <p:extLst>
       <p:ext uri="{BB962C8B-B14F-4D97-AF65-F5344CB8AC3E}">
-        <p14:creationId xmlns:p14="http://schemas.microsoft.com/office/powerpoint/2010/main" val="1361137997"/>
+        <p14:creationId xmlns:p14="http://schemas.microsoft.com/office/powerpoint/2010/main" val="951881599"/>
       </p:ext>
     </p:extLst>
   </p:cSld>
@@ -1045,7 +1728,7 @@
           <a:bodyPr/>
           <a:lstStyle/>
           <a:p>
-            <a:endParaRPr lang="en-GB"/>
+            <a:endParaRPr lang="en-US"/>
           </a:p>
         </p:txBody>
       </p:sp>
@@ -1075,7 +1758,7 @@
     </p:spTree>
     <p:extLst>
       <p:ext uri="{BB962C8B-B14F-4D97-AF65-F5344CB8AC3E}">
-        <p14:creationId xmlns:p14="http://schemas.microsoft.com/office/powerpoint/2010/main" val="3242228927"/>
+        <p14:creationId xmlns:p14="http://schemas.microsoft.com/office/powerpoint/2010/main" val="2271548203"/>
       </p:ext>
     </p:extLst>
   </p:cSld>
@@ -1151,6 +1834,258 @@
             <a:fld id="{32674CE4-FBD8-4481-AEFB-CA53E599A745}" type="slidenum">
               <a:rPr lang="en-US" smtClean="0"/>
               <a:t>6</a:t>
+            </a:fld>
+            <a:endParaRPr lang="en-US" dirty="0"/>
+          </a:p>
+        </p:txBody>
+      </p:sp>
+    </p:spTree>
+    <p:extLst>
+      <p:ext uri="{BB962C8B-B14F-4D97-AF65-F5344CB8AC3E}">
+        <p14:creationId xmlns:p14="http://schemas.microsoft.com/office/powerpoint/2010/main" val="1540102197"/>
+      </p:ext>
+    </p:extLst>
+  </p:cSld>
+  <p:clrMapOvr>
+    <a:masterClrMapping/>
+  </p:clrMapOvr>
+</p:notes>
+</file>
+
+<file path=ppt/notesSlides/notesSlide7.xml><?xml version="1.0" encoding="utf-8"?>
+<p:notes xmlns:a="http://schemas.openxmlformats.org/drawingml/2006/main" xmlns:r="http://schemas.openxmlformats.org/officeDocument/2006/relationships" xmlns:p="http://schemas.openxmlformats.org/presentationml/2006/main">
+  <p:cSld>
+    <p:spTree>
+      <p:nvGrpSpPr>
+        <p:cNvPr id="1" name=""/>
+        <p:cNvGrpSpPr/>
+        <p:nvPr/>
+      </p:nvGrpSpPr>
+      <p:grpSpPr>
+        <a:xfrm>
+          <a:off x="0" y="0"/>
+          <a:ext cx="0" cy="0"/>
+          <a:chOff x="0" y="0"/>
+          <a:chExt cx="0" cy="0"/>
+        </a:xfrm>
+      </p:grpSpPr>
+      <p:sp>
+        <p:nvSpPr>
+          <p:cNvPr id="2" name="Slide Image Placeholder 1"/>
+          <p:cNvSpPr>
+            <a:spLocks noGrp="1" noRot="1" noChangeAspect="1"/>
+          </p:cNvSpPr>
+          <p:nvPr>
+            <p:ph type="sldImg"/>
+          </p:nvPr>
+        </p:nvSpPr>
+        <p:spPr/>
+      </p:sp>
+      <p:sp>
+        <p:nvSpPr>
+          <p:cNvPr id="3" name="Notes Placeholder 2"/>
+          <p:cNvSpPr>
+            <a:spLocks noGrp="1"/>
+          </p:cNvSpPr>
+          <p:nvPr>
+            <p:ph type="body" idx="1"/>
+          </p:nvPr>
+        </p:nvSpPr>
+        <p:spPr/>
+        <p:txBody>
+          <a:bodyPr/>
+          <a:lstStyle/>
+          <a:p>
+            <a:endParaRPr lang="en-GB"/>
+          </a:p>
+        </p:txBody>
+      </p:sp>
+      <p:sp>
+        <p:nvSpPr>
+          <p:cNvPr id="4" name="Slide Number Placeholder 3"/>
+          <p:cNvSpPr>
+            <a:spLocks noGrp="1"/>
+          </p:cNvSpPr>
+          <p:nvPr>
+            <p:ph type="sldNum" sz="quarter" idx="10"/>
+          </p:nvPr>
+        </p:nvSpPr>
+        <p:spPr/>
+        <p:txBody>
+          <a:bodyPr/>
+          <a:lstStyle/>
+          <a:p>
+            <a:fld id="{32674CE4-FBD8-4481-AEFB-CA53E599A745}" type="slidenum">
+              <a:rPr lang="en-US" smtClean="0"/>
+              <a:t>7</a:t>
+            </a:fld>
+            <a:endParaRPr lang="en-US" dirty="0"/>
+          </a:p>
+        </p:txBody>
+      </p:sp>
+    </p:spTree>
+    <p:extLst>
+      <p:ext uri="{BB962C8B-B14F-4D97-AF65-F5344CB8AC3E}">
+        <p14:creationId xmlns:p14="http://schemas.microsoft.com/office/powerpoint/2010/main" val="1361137997"/>
+      </p:ext>
+    </p:extLst>
+  </p:cSld>
+  <p:clrMapOvr>
+    <a:masterClrMapping/>
+  </p:clrMapOvr>
+</p:notes>
+</file>
+
+<file path=ppt/notesSlides/notesSlide8.xml><?xml version="1.0" encoding="utf-8"?>
+<p:notes xmlns:a="http://schemas.openxmlformats.org/drawingml/2006/main" xmlns:r="http://schemas.openxmlformats.org/officeDocument/2006/relationships" xmlns:p="http://schemas.openxmlformats.org/presentationml/2006/main">
+  <p:cSld>
+    <p:spTree>
+      <p:nvGrpSpPr>
+        <p:cNvPr id="1" name=""/>
+        <p:cNvGrpSpPr/>
+        <p:nvPr/>
+      </p:nvGrpSpPr>
+      <p:grpSpPr>
+        <a:xfrm>
+          <a:off x="0" y="0"/>
+          <a:ext cx="0" cy="0"/>
+          <a:chOff x="0" y="0"/>
+          <a:chExt cx="0" cy="0"/>
+        </a:xfrm>
+      </p:grpSpPr>
+      <p:sp>
+        <p:nvSpPr>
+          <p:cNvPr id="2" name="Slide Image Placeholder 1"/>
+          <p:cNvSpPr>
+            <a:spLocks noGrp="1" noRot="1" noChangeAspect="1"/>
+          </p:cNvSpPr>
+          <p:nvPr>
+            <p:ph type="sldImg"/>
+          </p:nvPr>
+        </p:nvSpPr>
+        <p:spPr/>
+      </p:sp>
+      <p:sp>
+        <p:nvSpPr>
+          <p:cNvPr id="3" name="Notes Placeholder 2"/>
+          <p:cNvSpPr>
+            <a:spLocks noGrp="1"/>
+          </p:cNvSpPr>
+          <p:nvPr>
+            <p:ph type="body" idx="1"/>
+          </p:nvPr>
+        </p:nvSpPr>
+        <p:spPr/>
+        <p:txBody>
+          <a:bodyPr/>
+          <a:lstStyle/>
+          <a:p>
+            <a:endParaRPr lang="en-GB"/>
+          </a:p>
+        </p:txBody>
+      </p:sp>
+      <p:sp>
+        <p:nvSpPr>
+          <p:cNvPr id="4" name="Slide Number Placeholder 3"/>
+          <p:cNvSpPr>
+            <a:spLocks noGrp="1"/>
+          </p:cNvSpPr>
+          <p:nvPr>
+            <p:ph type="sldNum" sz="quarter" idx="10"/>
+          </p:nvPr>
+        </p:nvSpPr>
+        <p:spPr/>
+        <p:txBody>
+          <a:bodyPr/>
+          <a:lstStyle/>
+          <a:p>
+            <a:fld id="{32674CE4-FBD8-4481-AEFB-CA53E599A745}" type="slidenum">
+              <a:rPr lang="en-US" smtClean="0"/>
+              <a:t>8</a:t>
+            </a:fld>
+            <a:endParaRPr lang="en-US" dirty="0"/>
+          </a:p>
+        </p:txBody>
+      </p:sp>
+    </p:spTree>
+    <p:extLst>
+      <p:ext uri="{BB962C8B-B14F-4D97-AF65-F5344CB8AC3E}">
+        <p14:creationId xmlns:p14="http://schemas.microsoft.com/office/powerpoint/2010/main" val="3242228927"/>
+      </p:ext>
+    </p:extLst>
+  </p:cSld>
+  <p:clrMapOvr>
+    <a:masterClrMapping/>
+  </p:clrMapOvr>
+</p:notes>
+</file>
+
+<file path=ppt/notesSlides/notesSlide9.xml><?xml version="1.0" encoding="utf-8"?>
+<p:notes xmlns:a="http://schemas.openxmlformats.org/drawingml/2006/main" xmlns:r="http://schemas.openxmlformats.org/officeDocument/2006/relationships" xmlns:p="http://schemas.openxmlformats.org/presentationml/2006/main">
+  <p:cSld>
+    <p:spTree>
+      <p:nvGrpSpPr>
+        <p:cNvPr id="1" name=""/>
+        <p:cNvGrpSpPr/>
+        <p:nvPr/>
+      </p:nvGrpSpPr>
+      <p:grpSpPr>
+        <a:xfrm>
+          <a:off x="0" y="0"/>
+          <a:ext cx="0" cy="0"/>
+          <a:chOff x="0" y="0"/>
+          <a:chExt cx="0" cy="0"/>
+        </a:xfrm>
+      </p:grpSpPr>
+      <p:sp>
+        <p:nvSpPr>
+          <p:cNvPr id="2" name="Slide Image Placeholder 1"/>
+          <p:cNvSpPr>
+            <a:spLocks noGrp="1" noRot="1" noChangeAspect="1"/>
+          </p:cNvSpPr>
+          <p:nvPr>
+            <p:ph type="sldImg"/>
+          </p:nvPr>
+        </p:nvSpPr>
+        <p:spPr/>
+      </p:sp>
+      <p:sp>
+        <p:nvSpPr>
+          <p:cNvPr id="3" name="Notes Placeholder 2"/>
+          <p:cNvSpPr>
+            <a:spLocks noGrp="1"/>
+          </p:cNvSpPr>
+          <p:nvPr>
+            <p:ph type="body" idx="1"/>
+          </p:nvPr>
+        </p:nvSpPr>
+        <p:spPr/>
+        <p:txBody>
+          <a:bodyPr/>
+          <a:lstStyle/>
+          <a:p>
+            <a:endParaRPr lang="en-GB"/>
+          </a:p>
+        </p:txBody>
+      </p:sp>
+      <p:sp>
+        <p:nvSpPr>
+          <p:cNvPr id="4" name="Slide Number Placeholder 3"/>
+          <p:cNvSpPr>
+            <a:spLocks noGrp="1"/>
+          </p:cNvSpPr>
+          <p:nvPr>
+            <p:ph type="sldNum" sz="quarter" idx="10"/>
+          </p:nvPr>
+        </p:nvSpPr>
+        <p:spPr/>
+        <p:txBody>
+          <a:bodyPr/>
+          <a:lstStyle/>
+          <a:p>
+            <a:fld id="{32674CE4-FBD8-4481-AEFB-CA53E599A745}" type="slidenum">
+              <a:rPr lang="en-US" smtClean="0"/>
+              <a:t>9</a:t>
             </a:fld>
             <a:endParaRPr lang="en-US" dirty="0"/>
           </a:p>
@@ -5520,8 +6455,13 @@
           <a:p>
             <a:r>
               <a:rPr lang="en-US" dirty="0"/>
-              <a:t>Introduction to DocFX</a:t>
-            </a:r>
+              <a:t>Introduction to </a:t>
+            </a:r>
+            <a:r>
+              <a:rPr lang="en-US" dirty="0"/>
+              <a:t>DocFX</a:t>
+            </a:r>
+            <a:endParaRPr lang="en-US" dirty="0"/>
           </a:p>
         </p:txBody>
       </p:sp>
@@ -5542,17 +6482,84 @@
           <a:p>
             <a:r>
               <a:rPr lang="en-US" dirty="0"/>
-              <a:t>The evolution</a:t>
-            </a:r>
-          </a:p>
-          <a:p>
+              <a:t>The </a:t>
+            </a:r>
+            <a:r>
+              <a:rPr lang="en-US" dirty="0" smtClean="0"/>
+              <a:t>evolutionary history</a:t>
+            </a:r>
+            <a:endParaRPr lang="en-US" dirty="0"/>
+          </a:p>
+          <a:p>
+            <a:r>
+              <a:rPr lang="en-US" dirty="0" smtClean="0"/>
+              <a:t>&amp; </a:t>
+            </a:r>
             <a:r>
               <a:rPr lang="en-US" dirty="0"/>
-              <a:t>And lessons learnt</a:t>
-            </a:r>
-          </a:p>
-        </p:txBody>
-      </p:sp>
+              <a:t>lessons learnt</a:t>
+            </a:r>
+          </a:p>
+        </p:txBody>
+      </p:sp>
+      <p:sp>
+        <p:nvSpPr>
+          <p:cNvPr id="6" name="Rectangle 5"/>
+          <p:cNvSpPr/>
+          <p:nvPr/>
+        </p:nvSpPr>
+        <p:spPr>
+          <a:xfrm>
+            <a:off x="8377043" y="1886440"/>
+            <a:ext cx="2282997" cy="923330"/>
+          </a:xfrm>
+          <a:prstGeom prst="rect">
+            <a:avLst/>
+          </a:prstGeom>
+        </p:spPr>
+        <p:txBody>
+          <a:bodyPr wrap="none">
+            <a:spAutoFit/>
+          </a:bodyPr>
+          <a:lstStyle/>
+          <a:p>
+            <a:r>
+              <a:rPr lang="en-US" sz="5400" dirty="0">
+                <a:solidFill>
+                  <a:srgbClr val="E7E7E7"/>
+                </a:solidFill>
+                <a:latin typeface="Rockwell" panose="02060603020205020403" pitchFamily="18" charset="0"/>
+              </a:rPr>
+              <a:t>DocFX</a:t>
+            </a:r>
+            <a:endParaRPr lang="en-US" sz="5400" dirty="0"/>
+          </a:p>
+        </p:txBody>
+      </p:sp>
+      <p:pic>
+        <p:nvPicPr>
+          <p:cNvPr id="7" name="Picture 6"/>
+          <p:cNvPicPr>
+            <a:picLocks noChangeAspect="1"/>
+          </p:cNvPicPr>
+          <p:nvPr/>
+        </p:nvPicPr>
+        <p:blipFill>
+          <a:blip r:embed="rId3"/>
+          <a:stretch>
+            <a:fillRect/>
+          </a:stretch>
+        </p:blipFill>
+        <p:spPr>
+          <a:xfrm>
+            <a:off x="6699564" y="3422210"/>
+            <a:ext cx="8711591" cy="4900270"/>
+          </a:xfrm>
+          <a:prstGeom prst="rect">
+            <a:avLst/>
+          </a:prstGeom>
+        </p:spPr>
+      </p:pic>
     </p:spTree>
     <p:extLst>
       <p:ext uri="{BB962C8B-B14F-4D97-AF65-F5344CB8AC3E}">
@@ -5575,6 +6582,1125 @@
       </p:transition>
     </mc:Fallback>
   </mc:AlternateContent>
+  <p:timing>
+    <p:tnLst>
+      <p:par>
+        <p:cTn id="1" dur="indefinite" restart="never" nodeType="tmRoot"/>
+      </p:par>
+    </p:tnLst>
+  </p:timing>
+</p:sld>
+</file>
+
+<file path=ppt/slides/slide10.xml><?xml version="1.0" encoding="utf-8"?>
+<p:sld xmlns:a="http://schemas.openxmlformats.org/drawingml/2006/main" xmlns:r="http://schemas.openxmlformats.org/officeDocument/2006/relationships" xmlns:p="http://schemas.openxmlformats.org/presentationml/2006/main">
+  <p:cSld>
+    <p:spTree>
+      <p:nvGrpSpPr>
+        <p:cNvPr id="1" name=""/>
+        <p:cNvGrpSpPr/>
+        <p:nvPr/>
+      </p:nvGrpSpPr>
+      <p:grpSpPr>
+        <a:xfrm>
+          <a:off x="0" y="0"/>
+          <a:ext cx="0" cy="0"/>
+          <a:chOff x="0" y="0"/>
+          <a:chExt cx="0" cy="0"/>
+        </a:xfrm>
+      </p:grpSpPr>
+      <p:sp>
+        <p:nvSpPr>
+          <p:cNvPr id="2" name="Title 1"/>
+          <p:cNvSpPr>
+            <a:spLocks noGrp="1"/>
+          </p:cNvSpPr>
+          <p:nvPr>
+            <p:ph type="title"/>
+          </p:nvPr>
+        </p:nvSpPr>
+        <p:spPr/>
+        <p:txBody>
+          <a:bodyPr/>
+          <a:lstStyle/>
+          <a:p>
+            <a:r>
+              <a:rPr lang="en-US" dirty="0" smtClean="0"/>
+              <a:t>Use cases</a:t>
+            </a:r>
+            <a:endParaRPr lang="en-US" dirty="0"/>
+          </a:p>
+        </p:txBody>
+      </p:sp>
+      <p:sp>
+        <p:nvSpPr>
+          <p:cNvPr id="3" name="Content Placeholder 2"/>
+          <p:cNvSpPr>
+            <a:spLocks noGrp="1"/>
+          </p:cNvSpPr>
+          <p:nvPr>
+            <p:ph idx="1"/>
+          </p:nvPr>
+        </p:nvSpPr>
+        <p:spPr/>
+        <p:txBody>
+          <a:bodyPr/>
+          <a:lstStyle/>
+          <a:p>
+            <a:endParaRPr lang="en-US" dirty="0"/>
+          </a:p>
+        </p:txBody>
+      </p:sp>
+    </p:spTree>
+    <p:extLst>
+      <p:ext uri="{BB962C8B-B14F-4D97-AF65-F5344CB8AC3E}">
+        <p14:creationId xmlns:p14="http://schemas.microsoft.com/office/powerpoint/2010/main" val="2216199897"/>
+      </p:ext>
+    </p:extLst>
+  </p:cSld>
+  <p:clrMapOvr>
+    <a:masterClrMapping/>
+  </p:clrMapOvr>
+  <mc:AlternateContent xmlns:mc="http://schemas.openxmlformats.org/markup-compatibility/2006" xmlns:p14="http://schemas.microsoft.com/office/powerpoint/2010/main">
+    <mc:Choice Requires="p14">
+      <p:transition spd="med" p14:dur="700">
+        <p:fade/>
+      </p:transition>
+    </mc:Choice>
+    <mc:Fallback xmlns="">
+      <p:transition spd="med">
+        <p:fade/>
+      </p:transition>
+    </mc:Fallback>
+  </mc:AlternateContent>
+  <p:timing>
+    <p:tnLst>
+      <p:par>
+        <p:cTn id="1" dur="indefinite" restart="never" nodeType="tmRoot"/>
+      </p:par>
+    </p:tnLst>
+  </p:timing>
+</p:sld>
+</file>
+
+<file path=ppt/slides/slide11.xml><?xml version="1.0" encoding="utf-8"?>
+<p:sld xmlns:a="http://schemas.openxmlformats.org/drawingml/2006/main" xmlns:r="http://schemas.openxmlformats.org/officeDocument/2006/relationships" xmlns:p="http://schemas.openxmlformats.org/presentationml/2006/main">
+  <p:cSld>
+    <p:spTree>
+      <p:nvGrpSpPr>
+        <p:cNvPr id="1" name=""/>
+        <p:cNvGrpSpPr/>
+        <p:nvPr/>
+      </p:nvGrpSpPr>
+      <p:grpSpPr>
+        <a:xfrm>
+          <a:off x="0" y="0"/>
+          <a:ext cx="0" cy="0"/>
+          <a:chOff x="0" y="0"/>
+          <a:chExt cx="0" cy="0"/>
+        </a:xfrm>
+      </p:grpSpPr>
+      <p:sp>
+        <p:nvSpPr>
+          <p:cNvPr id="2" name="Title 1"/>
+          <p:cNvSpPr>
+            <a:spLocks noGrp="1"/>
+          </p:cNvSpPr>
+          <p:nvPr>
+            <p:ph type="title"/>
+          </p:nvPr>
+        </p:nvSpPr>
+        <p:spPr/>
+        <p:txBody>
+          <a:bodyPr/>
+          <a:lstStyle/>
+          <a:p>
+            <a:r>
+              <a:rPr lang="en-US" dirty="0" smtClean="0"/>
+              <a:t>Usage statistics</a:t>
+            </a:r>
+            <a:endParaRPr lang="en-US" dirty="0"/>
+          </a:p>
+        </p:txBody>
+      </p:sp>
+      <p:sp>
+        <p:nvSpPr>
+          <p:cNvPr id="3" name="Content Placeholder 2"/>
+          <p:cNvSpPr>
+            <a:spLocks noGrp="1"/>
+          </p:cNvSpPr>
+          <p:nvPr>
+            <p:ph idx="1"/>
+          </p:nvPr>
+        </p:nvSpPr>
+        <p:spPr/>
+        <p:txBody>
+          <a:bodyPr/>
+          <a:lstStyle/>
+          <a:p>
+            <a:r>
+              <a:rPr lang="en-US" dirty="0" smtClean="0"/>
+              <a:t>As a local tool, not easy to count</a:t>
+            </a:r>
+          </a:p>
+          <a:p>
+            <a:r>
+              <a:rPr lang="en-US" dirty="0" smtClean="0"/>
+              <a:t>The default template generates webpages with a metadata</a:t>
+            </a:r>
+          </a:p>
+          <a:p>
+            <a:pPr marL="109728" indent="0">
+              <a:buNone/>
+            </a:pPr>
+            <a:r>
+              <a:rPr lang="en-US" dirty="0"/>
+              <a:t>&lt;meta name="generator" content="</a:t>
+            </a:r>
+            <a:r>
+              <a:rPr lang="en-US" dirty="0" err="1"/>
+              <a:t>docfx</a:t>
+            </a:r>
+            <a:r>
+              <a:rPr lang="en-US" dirty="0"/>
+              <a:t> 2.19.2.0"&gt;</a:t>
+            </a:r>
+            <a:endParaRPr lang="en-US" dirty="0" smtClean="0"/>
+          </a:p>
+          <a:p>
+            <a:r>
+              <a:rPr lang="en-US" dirty="0" smtClean="0"/>
+              <a:t>Search github.com with “</a:t>
+            </a:r>
+            <a:r>
+              <a:rPr lang="en-US" dirty="0" err="1" smtClean="0"/>
+              <a:t>docfx.json</a:t>
+            </a:r>
+            <a:r>
+              <a:rPr lang="en-US" dirty="0" smtClean="0"/>
+              <a:t> </a:t>
+            </a:r>
+            <a:r>
+              <a:rPr lang="en-US" dirty="0" err="1" smtClean="0"/>
+              <a:t>in:path</a:t>
+            </a:r>
+            <a:r>
+              <a:rPr lang="en-US" dirty="0" smtClean="0"/>
+              <a:t>”: overwhelmed by </a:t>
+            </a:r>
+            <a:r>
+              <a:rPr lang="en-US" dirty="0" err="1" smtClean="0"/>
+              <a:t>MicrosoftDocs</a:t>
+            </a:r>
+            <a:r>
+              <a:rPr lang="en-US" dirty="0" smtClean="0"/>
+              <a:t>…</a:t>
+            </a:r>
+          </a:p>
+        </p:txBody>
+      </p:sp>
+    </p:spTree>
+    <p:extLst>
+      <p:ext uri="{BB962C8B-B14F-4D97-AF65-F5344CB8AC3E}">
+        <p14:creationId xmlns:p14="http://schemas.microsoft.com/office/powerpoint/2010/main" val="1732511347"/>
+      </p:ext>
+    </p:extLst>
+  </p:cSld>
+  <p:clrMapOvr>
+    <a:masterClrMapping/>
+  </p:clrMapOvr>
+  <mc:AlternateContent xmlns:mc="http://schemas.openxmlformats.org/markup-compatibility/2006" xmlns:p14="http://schemas.microsoft.com/office/powerpoint/2010/main">
+    <mc:Choice Requires="p14">
+      <p:transition spd="med" p14:dur="700">
+        <p:fade/>
+      </p:transition>
+    </mc:Choice>
+    <mc:Fallback xmlns="">
+      <p:transition spd="med">
+        <p:fade/>
+      </p:transition>
+    </mc:Fallback>
+  </mc:AlternateContent>
+  <p:timing>
+    <p:tnLst>
+      <p:par>
+        <p:cTn id="1" dur="indefinite" restart="never" nodeType="tmRoot"/>
+      </p:par>
+    </p:tnLst>
+  </p:timing>
+</p:sld>
+</file>
+
+<file path=ppt/slides/slide12.xml><?xml version="1.0" encoding="utf-8"?>
+<p:sld xmlns:a="http://schemas.openxmlformats.org/drawingml/2006/main" xmlns:r="http://schemas.openxmlformats.org/officeDocument/2006/relationships" xmlns:p="http://schemas.openxmlformats.org/presentationml/2006/main">
+  <p:cSld>
+    <p:spTree>
+      <p:nvGrpSpPr>
+        <p:cNvPr id="1" name=""/>
+        <p:cNvGrpSpPr/>
+        <p:nvPr/>
+      </p:nvGrpSpPr>
+      <p:grpSpPr>
+        <a:xfrm>
+          <a:off x="0" y="0"/>
+          <a:ext cx="0" cy="0"/>
+          <a:chOff x="0" y="0"/>
+          <a:chExt cx="0" cy="0"/>
+        </a:xfrm>
+      </p:grpSpPr>
+      <p:sp>
+        <p:nvSpPr>
+          <p:cNvPr id="2" name="Title 1"/>
+          <p:cNvSpPr>
+            <a:spLocks noGrp="1"/>
+          </p:cNvSpPr>
+          <p:nvPr>
+            <p:ph type="title"/>
+          </p:nvPr>
+        </p:nvSpPr>
+        <p:spPr/>
+        <p:txBody>
+          <a:bodyPr/>
+          <a:lstStyle/>
+          <a:p>
+            <a:r>
+              <a:rPr lang="en-US" dirty="0" smtClean="0"/>
+              <a:t>Key points of DocFX</a:t>
+            </a:r>
+            <a:endParaRPr lang="en-US" dirty="0"/>
+          </a:p>
+        </p:txBody>
+      </p:sp>
+      <p:sp>
+        <p:nvSpPr>
+          <p:cNvPr id="3" name="Content Placeholder 2"/>
+          <p:cNvSpPr>
+            <a:spLocks noGrp="1"/>
+          </p:cNvSpPr>
+          <p:nvPr>
+            <p:ph idx="1"/>
+          </p:nvPr>
+        </p:nvSpPr>
+        <p:spPr>
+          <a:xfrm>
+            <a:off x="609600" y="2209800"/>
+            <a:ext cx="10972800" cy="4325112"/>
+          </a:xfrm>
+        </p:spPr>
+        <p:txBody>
+          <a:bodyPr/>
+          <a:lstStyle/>
+          <a:p>
+            <a:r>
+              <a:rPr lang="en-US" dirty="0" smtClean="0"/>
+              <a:t>Inputs can always be mapped to a data model</a:t>
+            </a:r>
+          </a:p>
+          <a:p>
+            <a:r>
+              <a:rPr lang="en-US" dirty="0" smtClean="0"/>
+              <a:t>Data model + template =&gt; output </a:t>
+            </a:r>
+            <a:endParaRPr lang="en-US" dirty="0"/>
+          </a:p>
+        </p:txBody>
+      </p:sp>
+      <p:sp>
+        <p:nvSpPr>
+          <p:cNvPr id="6" name="Rectangle 5"/>
+          <p:cNvSpPr/>
+          <p:nvPr/>
+        </p:nvSpPr>
+        <p:spPr>
+          <a:xfrm>
+            <a:off x="3631474" y="3614057"/>
+            <a:ext cx="3875314" cy="2325189"/>
+          </a:xfrm>
+          <a:prstGeom prst="rect">
+            <a:avLst/>
+          </a:prstGeom>
+        </p:spPr>
+        <p:style>
+          <a:lnRef idx="2">
+            <a:schemeClr val="dk1">
+              <a:shade val="50000"/>
+            </a:schemeClr>
+          </a:lnRef>
+          <a:fillRef idx="1">
+            <a:schemeClr val="dk1"/>
+          </a:fillRef>
+          <a:effectRef idx="0">
+            <a:schemeClr val="dk1"/>
+          </a:effectRef>
+          <a:fontRef idx="minor">
+            <a:schemeClr val="lt1"/>
+          </a:fontRef>
+        </p:style>
+        <p:txBody>
+          <a:bodyPr rtlCol="0" anchor="ctr"/>
+          <a:lstStyle/>
+          <a:p>
+            <a:pPr algn="ctr"/>
+            <a:r>
+              <a:rPr lang="en-US" dirty="0" smtClean="0"/>
+              <a:t>DocFX</a:t>
+            </a:r>
+            <a:endParaRPr lang="en-US" dirty="0"/>
+          </a:p>
+        </p:txBody>
+      </p:sp>
+      <p:sp>
+        <p:nvSpPr>
+          <p:cNvPr id="7" name="Snip and Round Single Corner Rectangle 6"/>
+          <p:cNvSpPr/>
+          <p:nvPr/>
+        </p:nvSpPr>
+        <p:spPr>
+          <a:xfrm>
+            <a:off x="191588" y="3448594"/>
+            <a:ext cx="1663337" cy="923762"/>
+          </a:xfrm>
+          <a:prstGeom prst="snipRoundRect">
+            <a:avLst/>
+          </a:prstGeom>
+        </p:spPr>
+        <p:style>
+          <a:lnRef idx="2">
+            <a:schemeClr val="accent1">
+              <a:shade val="50000"/>
+            </a:schemeClr>
+          </a:lnRef>
+          <a:fillRef idx="1">
+            <a:schemeClr val="accent1"/>
+          </a:fillRef>
+          <a:effectRef idx="0">
+            <a:schemeClr val="accent1"/>
+          </a:effectRef>
+          <a:fontRef idx="minor">
+            <a:schemeClr val="lt1"/>
+          </a:fontRef>
+        </p:style>
+        <p:txBody>
+          <a:bodyPr rtlCol="0" anchor="ctr"/>
+          <a:lstStyle/>
+          <a:p>
+            <a:pPr algn="ctr"/>
+            <a:r>
+              <a:rPr lang="en-US" dirty="0" smtClean="0"/>
+              <a:t>Markdown file</a:t>
+            </a:r>
+            <a:endParaRPr lang="en-US" dirty="0"/>
+          </a:p>
+        </p:txBody>
+      </p:sp>
+      <p:sp>
+        <p:nvSpPr>
+          <p:cNvPr id="8" name="Right Arrow 7"/>
+          <p:cNvSpPr/>
+          <p:nvPr/>
+        </p:nvSpPr>
+        <p:spPr>
+          <a:xfrm>
+            <a:off x="1854925" y="3697115"/>
+            <a:ext cx="1776549" cy="426720"/>
+          </a:xfrm>
+          <a:prstGeom prst="rightArrow">
+            <a:avLst/>
+          </a:prstGeom>
+        </p:spPr>
+        <p:style>
+          <a:lnRef idx="2">
+            <a:schemeClr val="accent1">
+              <a:shade val="50000"/>
+            </a:schemeClr>
+          </a:lnRef>
+          <a:fillRef idx="1">
+            <a:schemeClr val="accent1"/>
+          </a:fillRef>
+          <a:effectRef idx="0">
+            <a:schemeClr val="accent1"/>
+          </a:effectRef>
+          <a:fontRef idx="minor">
+            <a:schemeClr val="lt1"/>
+          </a:fontRef>
+        </p:style>
+        <p:txBody>
+          <a:bodyPr rtlCol="0" anchor="ctr"/>
+          <a:lstStyle/>
+          <a:p>
+            <a:pPr algn="ctr"/>
+            <a:endParaRPr lang="en-US"/>
+          </a:p>
+        </p:txBody>
+      </p:sp>
+    </p:spTree>
+    <p:extLst>
+      <p:ext uri="{BB962C8B-B14F-4D97-AF65-F5344CB8AC3E}">
+        <p14:creationId xmlns:p14="http://schemas.microsoft.com/office/powerpoint/2010/main" val="866470661"/>
+      </p:ext>
+    </p:extLst>
+  </p:cSld>
+  <p:clrMapOvr>
+    <a:masterClrMapping/>
+  </p:clrMapOvr>
+  <mc:AlternateContent xmlns:mc="http://schemas.openxmlformats.org/markup-compatibility/2006" xmlns:p14="http://schemas.microsoft.com/office/powerpoint/2010/main">
+    <mc:Choice Requires="p14">
+      <p:transition spd="med" p14:dur="700">
+        <p:fade/>
+      </p:transition>
+    </mc:Choice>
+    <mc:Fallback xmlns="">
+      <p:transition spd="med">
+        <p:fade/>
+      </p:transition>
+    </mc:Fallback>
+  </mc:AlternateContent>
+  <p:timing>
+    <p:tnLst>
+      <p:par>
+        <p:cTn id="1" dur="indefinite" restart="never" nodeType="tmRoot"/>
+      </p:par>
+    </p:tnLst>
+  </p:timing>
+</p:sld>
+</file>
+
+<file path=ppt/slides/slide13.xml><?xml version="1.0" encoding="utf-8"?>
+<p:sld xmlns:a="http://schemas.openxmlformats.org/drawingml/2006/main" xmlns:r="http://schemas.openxmlformats.org/officeDocument/2006/relationships" xmlns:p="http://schemas.openxmlformats.org/presentationml/2006/main">
+  <p:cSld>
+    <p:spTree>
+      <p:nvGrpSpPr>
+        <p:cNvPr id="1" name=""/>
+        <p:cNvGrpSpPr/>
+        <p:nvPr/>
+      </p:nvGrpSpPr>
+      <p:grpSpPr>
+        <a:xfrm>
+          <a:off x="0" y="0"/>
+          <a:ext cx="0" cy="0"/>
+          <a:chOff x="0" y="0"/>
+          <a:chExt cx="0" cy="0"/>
+        </a:xfrm>
+      </p:grpSpPr>
+      <p:sp>
+        <p:nvSpPr>
+          <p:cNvPr id="2" name="Title 1"/>
+          <p:cNvSpPr>
+            <a:spLocks noGrp="1"/>
+          </p:cNvSpPr>
+          <p:nvPr>
+            <p:ph type="title"/>
+          </p:nvPr>
+        </p:nvSpPr>
+        <p:spPr/>
+        <p:txBody>
+          <a:bodyPr/>
+          <a:lstStyle/>
+          <a:p>
+            <a:r>
+              <a:rPr lang="en-US" dirty="0" smtClean="0"/>
+              <a:t>What DocFX do for you</a:t>
+            </a:r>
+            <a:endParaRPr lang="en-US" dirty="0"/>
+          </a:p>
+        </p:txBody>
+      </p:sp>
+      <p:sp>
+        <p:nvSpPr>
+          <p:cNvPr id="3" name="Content Placeholder 2"/>
+          <p:cNvSpPr>
+            <a:spLocks noGrp="1"/>
+          </p:cNvSpPr>
+          <p:nvPr>
+            <p:ph idx="1"/>
+          </p:nvPr>
+        </p:nvSpPr>
+        <p:spPr/>
+        <p:txBody>
+          <a:bodyPr/>
+          <a:lstStyle/>
+          <a:p>
+            <a:r>
+              <a:rPr lang="en-US" dirty="0" smtClean="0"/>
+              <a:t>Map input to a data model</a:t>
+            </a:r>
+          </a:p>
+          <a:p>
+            <a:r>
+              <a:rPr lang="en-US" dirty="0" smtClean="0"/>
+              <a:t>Key features</a:t>
+            </a:r>
+          </a:p>
+          <a:p>
+            <a:pPr lvl="1"/>
+            <a:r>
+              <a:rPr lang="en-US" dirty="0" smtClean="0"/>
+              <a:t>Markdown =&gt; html</a:t>
+            </a:r>
+          </a:p>
+          <a:p>
+            <a:pPr lvl="1"/>
+            <a:r>
+              <a:rPr lang="en-US" dirty="0" smtClean="0"/>
+              <a:t>Validate and resolve file links</a:t>
+            </a:r>
+          </a:p>
+          <a:p>
+            <a:pPr lvl="1"/>
+            <a:r>
+              <a:rPr lang="en-US" dirty="0" smtClean="0"/>
+              <a:t>Validate and Resolve cross references</a:t>
+            </a:r>
+          </a:p>
+          <a:p>
+            <a:pPr lvl="1"/>
+            <a:r>
+              <a:rPr lang="en-US" dirty="0" smtClean="0"/>
+              <a:t>Validate and resolve external references</a:t>
+            </a:r>
+            <a:endParaRPr lang="en-US" dirty="0"/>
+          </a:p>
+        </p:txBody>
+      </p:sp>
+    </p:spTree>
+    <p:extLst>
+      <p:ext uri="{BB962C8B-B14F-4D97-AF65-F5344CB8AC3E}">
+        <p14:creationId xmlns:p14="http://schemas.microsoft.com/office/powerpoint/2010/main" val="730377308"/>
+      </p:ext>
+    </p:extLst>
+  </p:cSld>
+  <p:clrMapOvr>
+    <a:masterClrMapping/>
+  </p:clrMapOvr>
+  <mc:AlternateContent xmlns:mc="http://schemas.openxmlformats.org/markup-compatibility/2006" xmlns:p14="http://schemas.microsoft.com/office/powerpoint/2010/main">
+    <mc:Choice Requires="p14">
+      <p:transition spd="med" p14:dur="700">
+        <p:fade/>
+      </p:transition>
+    </mc:Choice>
+    <mc:Fallback xmlns="">
+      <p:transition spd="med">
+        <p:fade/>
+      </p:transition>
+    </mc:Fallback>
+  </mc:AlternateContent>
+  <p:timing>
+    <p:tnLst>
+      <p:par>
+        <p:cTn id="1" dur="indefinite" restart="never" nodeType="tmRoot"/>
+      </p:par>
+    </p:tnLst>
+  </p:timing>
+</p:sld>
+</file>
+
+<file path=ppt/slides/slide14.xml><?xml version="1.0" encoding="utf-8"?>
+<p:sld xmlns:a="http://schemas.openxmlformats.org/drawingml/2006/main" xmlns:r="http://schemas.openxmlformats.org/officeDocument/2006/relationships" xmlns:p="http://schemas.openxmlformats.org/presentationml/2006/main">
+  <p:cSld>
+    <p:spTree>
+      <p:nvGrpSpPr>
+        <p:cNvPr id="1" name=""/>
+        <p:cNvGrpSpPr/>
+        <p:nvPr/>
+      </p:nvGrpSpPr>
+      <p:grpSpPr>
+        <a:xfrm>
+          <a:off x="0" y="0"/>
+          <a:ext cx="0" cy="0"/>
+          <a:chOff x="0" y="0"/>
+          <a:chExt cx="0" cy="0"/>
+        </a:xfrm>
+      </p:grpSpPr>
+      <p:sp>
+        <p:nvSpPr>
+          <p:cNvPr id="2" name="Title 1"/>
+          <p:cNvSpPr>
+            <a:spLocks noGrp="1"/>
+          </p:cNvSpPr>
+          <p:nvPr>
+            <p:ph type="title"/>
+          </p:nvPr>
+        </p:nvSpPr>
+        <p:spPr/>
+        <p:txBody>
+          <a:bodyPr/>
+          <a:lstStyle/>
+          <a:p>
+            <a:r>
+              <a:rPr lang="en-US" dirty="0" smtClean="0"/>
+              <a:t>Use cases</a:t>
+            </a:r>
+            <a:endParaRPr lang="en-US" dirty="0"/>
+          </a:p>
+        </p:txBody>
+      </p:sp>
+      <p:sp>
+        <p:nvSpPr>
+          <p:cNvPr id="3" name="Content Placeholder 2"/>
+          <p:cNvSpPr>
+            <a:spLocks noGrp="1"/>
+          </p:cNvSpPr>
+          <p:nvPr>
+            <p:ph idx="1"/>
+          </p:nvPr>
+        </p:nvSpPr>
+        <p:spPr/>
+        <p:txBody>
+          <a:bodyPr/>
+          <a:lstStyle/>
+          <a:p>
+            <a:r>
+              <a:rPr lang="en-US" dirty="0"/>
+              <a:t>Jon Skeet </a:t>
+            </a:r>
+            <a:r>
+              <a:rPr lang="en-US" dirty="0">
+                <a:hlinkClick r:id="rId3"/>
+              </a:rPr>
+              <a:t>https://</a:t>
+            </a:r>
+            <a:r>
+              <a:rPr lang="en-US" dirty="0" smtClean="0">
+                <a:hlinkClick r:id="rId3"/>
+              </a:rPr>
+              <a:t>stackoverflow.com/users/22656/jon-skeet</a:t>
+            </a:r>
+            <a:r>
+              <a:rPr lang="en-US" dirty="0" smtClean="0"/>
+              <a:t> </a:t>
+            </a:r>
+          </a:p>
+          <a:p>
+            <a:pPr lvl="1"/>
+            <a:r>
+              <a:rPr lang="en-US" dirty="0"/>
+              <a:t>Google Cloud Client Libraries for .NET </a:t>
+            </a:r>
+            <a:r>
+              <a:rPr lang="en-US" dirty="0"/>
+              <a:t> </a:t>
+            </a:r>
+            <a:r>
+              <a:rPr lang="en-US" dirty="0">
+                <a:hlinkClick r:id="rId4"/>
+              </a:rPr>
+              <a:t>https://</a:t>
+            </a:r>
+            <a:r>
+              <a:rPr lang="en-US" dirty="0" smtClean="0">
+                <a:hlinkClick r:id="rId4"/>
+              </a:rPr>
+              <a:t>googlecloudplatform.github.io/google-cloud-dotnet/docs/index.html</a:t>
+            </a:r>
+            <a:r>
+              <a:rPr lang="en-US" dirty="0" smtClean="0"/>
+              <a:t> </a:t>
+            </a:r>
+          </a:p>
+          <a:p>
+            <a:pPr lvl="1"/>
+            <a:r>
+              <a:rPr lang="en-US" dirty="0" smtClean="0"/>
+              <a:t>His </a:t>
+            </a:r>
+            <a:r>
+              <a:rPr lang="en-US" dirty="0"/>
+              <a:t>personal project </a:t>
+            </a:r>
+            <a:r>
+              <a:rPr lang="en-US" dirty="0">
+                <a:hlinkClick r:id="rId5"/>
+              </a:rPr>
+              <a:t>http://nodatime.org</a:t>
+            </a:r>
+            <a:r>
+              <a:rPr lang="en-US" dirty="0" smtClean="0">
+                <a:hlinkClick r:id="rId5"/>
+              </a:rPr>
+              <a:t>/</a:t>
+            </a:r>
+            <a:r>
+              <a:rPr lang="en-US" dirty="0" smtClean="0"/>
+              <a:t> </a:t>
+            </a:r>
+            <a:endParaRPr lang="en-US" dirty="0"/>
+          </a:p>
+        </p:txBody>
+      </p:sp>
+      <p:pic>
+        <p:nvPicPr>
+          <p:cNvPr id="4" name="Picture 3"/>
+          <p:cNvPicPr>
+            <a:picLocks noChangeAspect="1"/>
+          </p:cNvPicPr>
+          <p:nvPr/>
+        </p:nvPicPr>
+        <p:blipFill>
+          <a:blip r:embed="rId6"/>
+          <a:stretch>
+            <a:fillRect/>
+          </a:stretch>
+        </p:blipFill>
+        <p:spPr>
+          <a:xfrm>
+            <a:off x="416084" y="4562355"/>
+            <a:ext cx="11359831" cy="4974465"/>
+          </a:xfrm>
+          <a:prstGeom prst="rect">
+            <a:avLst/>
+          </a:prstGeom>
+        </p:spPr>
+      </p:pic>
+    </p:spTree>
+    <p:extLst>
+      <p:ext uri="{BB962C8B-B14F-4D97-AF65-F5344CB8AC3E}">
+        <p14:creationId xmlns:p14="http://schemas.microsoft.com/office/powerpoint/2010/main" val="3899439025"/>
+      </p:ext>
+    </p:extLst>
+  </p:cSld>
+  <p:clrMapOvr>
+    <a:masterClrMapping/>
+  </p:clrMapOvr>
+  <mc:AlternateContent xmlns:mc="http://schemas.openxmlformats.org/markup-compatibility/2006" xmlns:p14="http://schemas.microsoft.com/office/powerpoint/2010/main">
+    <mc:Choice Requires="p14">
+      <p:transition spd="med" p14:dur="700">
+        <p:fade/>
+      </p:transition>
+    </mc:Choice>
+    <mc:Fallback xmlns="">
+      <p:transition spd="med">
+        <p:fade/>
+      </p:transition>
+    </mc:Fallback>
+  </mc:AlternateContent>
+  <p:timing>
+    <p:tnLst>
+      <p:par>
+        <p:cTn id="1" dur="indefinite" restart="never" nodeType="tmRoot"/>
+      </p:par>
+    </p:tnLst>
+  </p:timing>
+</p:sld>
+</file>
+
+<file path=ppt/slides/slide15.xml><?xml version="1.0" encoding="utf-8"?>
+<p:sld xmlns:a="http://schemas.openxmlformats.org/drawingml/2006/main" xmlns:r="http://schemas.openxmlformats.org/officeDocument/2006/relationships" xmlns:p="http://schemas.openxmlformats.org/presentationml/2006/main">
+  <p:cSld>
+    <p:spTree>
+      <p:nvGrpSpPr>
+        <p:cNvPr id="1" name=""/>
+        <p:cNvGrpSpPr/>
+        <p:nvPr/>
+      </p:nvGrpSpPr>
+      <p:grpSpPr>
+        <a:xfrm>
+          <a:off x="0" y="0"/>
+          <a:ext cx="0" cy="0"/>
+          <a:chOff x="0" y="0"/>
+          <a:chExt cx="0" cy="0"/>
+        </a:xfrm>
+      </p:grpSpPr>
+      <p:sp>
+        <p:nvSpPr>
+          <p:cNvPr id="2" name="Title 1"/>
+          <p:cNvSpPr>
+            <a:spLocks noGrp="1"/>
+          </p:cNvSpPr>
+          <p:nvPr>
+            <p:ph type="title"/>
+          </p:nvPr>
+        </p:nvSpPr>
+        <p:spPr/>
+        <p:txBody>
+          <a:bodyPr/>
+          <a:lstStyle/>
+          <a:p>
+            <a:r>
+              <a:rPr lang="en-US" dirty="0" smtClean="0"/>
+              <a:t>Use cases</a:t>
+            </a:r>
+            <a:endParaRPr lang="en-US" dirty="0"/>
+          </a:p>
+        </p:txBody>
+      </p:sp>
+      <p:sp>
+        <p:nvSpPr>
+          <p:cNvPr id="3" name="Content Placeholder 2"/>
+          <p:cNvSpPr>
+            <a:spLocks noGrp="1"/>
+          </p:cNvSpPr>
+          <p:nvPr>
+            <p:ph idx="1"/>
+          </p:nvPr>
+        </p:nvSpPr>
+        <p:spPr/>
+        <p:txBody>
+          <a:bodyPr/>
+          <a:lstStyle/>
+          <a:p>
+            <a:r>
+              <a:rPr lang="en-US" dirty="0" smtClean="0"/>
+              <a:t>Mathew with template https</a:t>
+            </a:r>
+            <a:r>
+              <a:rPr lang="en-US" dirty="0"/>
+              <a:t>://github.com/MathewSachin/docfx-tmpl</a:t>
+            </a:r>
+          </a:p>
+        </p:txBody>
+      </p:sp>
+      <p:pic>
+        <p:nvPicPr>
+          <p:cNvPr id="1028" name="Picture 4" descr="2.png"/>
+          <p:cNvPicPr>
+            <a:picLocks noChangeAspect="1" noChangeArrowheads="1"/>
+          </p:cNvPicPr>
+          <p:nvPr/>
+        </p:nvPicPr>
+        <p:blipFill>
+          <a:blip r:embed="rId3">
+            <a:extLst>
+              <a:ext uri="{28A0092B-C50C-407E-A947-70E740481C1C}">
+                <a14:useLocalDpi xmlns:a14="http://schemas.microsoft.com/office/drawing/2010/main" val="0"/>
+              </a:ext>
+            </a:extLst>
+          </a:blip>
+          <a:srcRect/>
+          <a:stretch>
+            <a:fillRect/>
+          </a:stretch>
+        </p:blipFill>
+        <p:spPr bwMode="auto">
+          <a:xfrm>
+            <a:off x="1000307" y="2789690"/>
+            <a:ext cx="8972550" cy="8429626"/>
+          </a:xfrm>
+          <a:prstGeom prst="rect">
+            <a:avLst/>
+          </a:prstGeom>
+          <a:noFill/>
+          <a:extLst>
+            <a:ext uri="{909E8E84-426E-40DD-AFC4-6F175D3DCCD1}">
+              <a14:hiddenFill xmlns:a14="http://schemas.microsoft.com/office/drawing/2010/main">
+                <a:solidFill>
+                  <a:srgbClr val="FFFFFF"/>
+                </a:solidFill>
+              </a14:hiddenFill>
+            </a:ext>
+          </a:extLst>
+        </p:spPr>
+      </p:pic>
+    </p:spTree>
+    <p:extLst>
+      <p:ext uri="{BB962C8B-B14F-4D97-AF65-F5344CB8AC3E}">
+        <p14:creationId xmlns:p14="http://schemas.microsoft.com/office/powerpoint/2010/main" val="939066168"/>
+      </p:ext>
+    </p:extLst>
+  </p:cSld>
+  <p:clrMapOvr>
+    <a:masterClrMapping/>
+  </p:clrMapOvr>
+  <mc:AlternateContent xmlns:mc="http://schemas.openxmlformats.org/markup-compatibility/2006" xmlns:p14="http://schemas.microsoft.com/office/powerpoint/2010/main">
+    <mc:Choice Requires="p14">
+      <p:transition spd="med" p14:dur="700">
+        <p:fade/>
+      </p:transition>
+    </mc:Choice>
+    <mc:Fallback xmlns="">
+      <p:transition spd="med">
+        <p:fade/>
+      </p:transition>
+    </mc:Fallback>
+  </mc:AlternateContent>
+  <p:timing>
+    <p:tnLst>
+      <p:par>
+        <p:cTn id="1" dur="indefinite" restart="never" nodeType="tmRoot"/>
+      </p:par>
+    </p:tnLst>
+  </p:timing>
+</p:sld>
+</file>
+
+<file path=ppt/slides/slide16.xml><?xml version="1.0" encoding="utf-8"?>
+<p:sld xmlns:a="http://schemas.openxmlformats.org/drawingml/2006/main" xmlns:r="http://schemas.openxmlformats.org/officeDocument/2006/relationships" xmlns:p="http://schemas.openxmlformats.org/presentationml/2006/main">
+  <p:cSld>
+    <p:spTree>
+      <p:nvGrpSpPr>
+        <p:cNvPr id="1" name=""/>
+        <p:cNvGrpSpPr/>
+        <p:nvPr/>
+      </p:nvGrpSpPr>
+      <p:grpSpPr>
+        <a:xfrm>
+          <a:off x="0" y="0"/>
+          <a:ext cx="0" cy="0"/>
+          <a:chOff x="0" y="0"/>
+          <a:chExt cx="0" cy="0"/>
+        </a:xfrm>
+      </p:grpSpPr>
+      <p:sp>
+        <p:nvSpPr>
+          <p:cNvPr id="2" name="Title 1"/>
+          <p:cNvSpPr>
+            <a:spLocks noGrp="1"/>
+          </p:cNvSpPr>
+          <p:nvPr>
+            <p:ph type="title"/>
+          </p:nvPr>
+        </p:nvSpPr>
+        <p:spPr/>
+        <p:txBody>
+          <a:bodyPr/>
+          <a:lstStyle/>
+          <a:p>
+            <a:r>
+              <a:rPr lang="en-US" dirty="0" smtClean="0"/>
+              <a:t>Use case</a:t>
+            </a:r>
+            <a:endParaRPr lang="en-US" dirty="0"/>
+          </a:p>
+        </p:txBody>
+      </p:sp>
+      <p:sp>
+        <p:nvSpPr>
+          <p:cNvPr id="3" name="Content Placeholder 2"/>
+          <p:cNvSpPr>
+            <a:spLocks noGrp="1"/>
+          </p:cNvSpPr>
+          <p:nvPr>
+            <p:ph idx="1"/>
+          </p:nvPr>
+        </p:nvSpPr>
+        <p:spPr/>
+        <p:txBody>
+          <a:bodyPr/>
+          <a:lstStyle/>
+          <a:p>
+            <a:endParaRPr lang="en-US"/>
+          </a:p>
+        </p:txBody>
+      </p:sp>
+    </p:spTree>
+    <p:extLst>
+      <p:ext uri="{BB962C8B-B14F-4D97-AF65-F5344CB8AC3E}">
+        <p14:creationId xmlns:p14="http://schemas.microsoft.com/office/powerpoint/2010/main" val="521298186"/>
+      </p:ext>
+    </p:extLst>
+  </p:cSld>
+  <p:clrMapOvr>
+    <a:masterClrMapping/>
+  </p:clrMapOvr>
+  <mc:AlternateContent xmlns:mc="http://schemas.openxmlformats.org/markup-compatibility/2006" xmlns:p14="http://schemas.microsoft.com/office/powerpoint/2010/main">
+    <mc:Choice Requires="p14">
+      <p:transition spd="med" p14:dur="700">
+        <p:fade/>
+      </p:transition>
+    </mc:Choice>
+    <mc:Fallback xmlns="">
+      <p:transition spd="med">
+        <p:fade/>
+      </p:transition>
+    </mc:Fallback>
+  </mc:AlternateContent>
+  <p:timing>
+    <p:tnLst>
+      <p:par>
+        <p:cTn id="1" dur="indefinite" restart="never" nodeType="tmRoot"/>
+      </p:par>
+    </p:tnLst>
+  </p:timing>
+</p:sld>
+</file>
+
+<file path=ppt/slides/slide17.xml><?xml version="1.0" encoding="utf-8"?>
+<p:sld xmlns:a="http://schemas.openxmlformats.org/drawingml/2006/main" xmlns:r="http://schemas.openxmlformats.org/officeDocument/2006/relationships" xmlns:p="http://schemas.openxmlformats.org/presentationml/2006/main">
+  <p:cSld>
+    <p:spTree>
+      <p:nvGrpSpPr>
+        <p:cNvPr id="1" name=""/>
+        <p:cNvGrpSpPr/>
+        <p:nvPr/>
+      </p:nvGrpSpPr>
+      <p:grpSpPr>
+        <a:xfrm>
+          <a:off x="0" y="0"/>
+          <a:ext cx="0" cy="0"/>
+          <a:chOff x="0" y="0"/>
+          <a:chExt cx="0" cy="0"/>
+        </a:xfrm>
+      </p:grpSpPr>
+      <p:sp>
+        <p:nvSpPr>
+          <p:cNvPr id="4" name="Title 3"/>
+          <p:cNvSpPr>
+            <a:spLocks noGrp="1"/>
+          </p:cNvSpPr>
+          <p:nvPr>
+            <p:ph type="title"/>
+          </p:nvPr>
+        </p:nvSpPr>
+        <p:spPr/>
+        <p:txBody>
+          <a:bodyPr/>
+          <a:lstStyle/>
+          <a:p>
+            <a:r>
+              <a:rPr lang="en-US" dirty="0" smtClean="0"/>
+              <a:t>Eager for contributions</a:t>
+            </a:r>
+            <a:endParaRPr lang="en-US" dirty="0"/>
+          </a:p>
+        </p:txBody>
+      </p:sp>
+      <p:sp>
+        <p:nvSpPr>
+          <p:cNvPr id="5" name="Text Placeholder 4"/>
+          <p:cNvSpPr>
+            <a:spLocks noGrp="1"/>
+          </p:cNvSpPr>
+          <p:nvPr>
+            <p:ph type="body" idx="1"/>
+          </p:nvPr>
+        </p:nvSpPr>
+        <p:spPr/>
+        <p:txBody>
+          <a:bodyPr/>
+          <a:lstStyle/>
+          <a:p>
+            <a:endParaRPr lang="en-US" dirty="0"/>
+          </a:p>
+        </p:txBody>
+      </p:sp>
+    </p:spTree>
+    <p:extLst>
+      <p:ext uri="{BB962C8B-B14F-4D97-AF65-F5344CB8AC3E}">
+        <p14:creationId xmlns:p14="http://schemas.microsoft.com/office/powerpoint/2010/main" val="2418700121"/>
+      </p:ext>
+    </p:extLst>
+  </p:cSld>
+  <p:clrMapOvr>
+    <a:masterClrMapping/>
+  </p:clrMapOvr>
+  <mc:AlternateContent xmlns:mc="http://schemas.openxmlformats.org/markup-compatibility/2006" xmlns:p14="http://schemas.microsoft.com/office/powerpoint/2010/main">
+    <mc:Choice Requires="p14">
+      <p:transition spd="med" p14:dur="700">
+        <p:fade/>
+      </p:transition>
+    </mc:Choice>
+    <mc:Fallback xmlns="">
+      <p:transition spd="med">
+        <p:fade/>
+      </p:transition>
+    </mc:Fallback>
+  </mc:AlternateContent>
+  <p:timing>
+    <p:tnLst>
+      <p:par>
+        <p:cTn id="1" dur="indefinite" restart="never" nodeType="tmRoot"/>
+      </p:par>
+    </p:tnLst>
+  </p:timing>
 </p:sld>
 </file>
 
@@ -5646,12 +7772,16 @@
           </a:p>
           <a:p>
             <a:r>
-              <a:rPr lang="en-US" dirty="0" err="1"/>
-              <a:t>Insi</a:t>
+              <a:rPr lang="en-US" dirty="0" smtClean="0"/>
+              <a:t>Inside</a:t>
+            </a:r>
+            <a:r>
+              <a:rPr lang="en-AU" dirty="0" smtClean="0"/>
+              <a:t> </a:t>
             </a:r>
             <a:r>
               <a:rPr lang="en-AU" dirty="0"/>
-              <a:t>de DocFX</a:t>
+              <a:t>DocFX</a:t>
             </a:r>
           </a:p>
           <a:p>
@@ -5691,6 +7821,13 @@
       </p:transition>
     </mc:Fallback>
   </mc:AlternateContent>
+  <p:timing>
+    <p:tnLst>
+      <p:par>
+        <p:cTn id="1" dur="indefinite" restart="never" nodeType="tmRoot"/>
+      </p:par>
+    </p:tnLst>
+  </p:timing>
 </p:sld>
 </file>
 
@@ -5713,10 +7850,477 @@
       </p:grpSpPr>
       <p:sp>
         <p:nvSpPr>
+          <p:cNvPr id="6" name="Title 5"/>
+          <p:cNvSpPr>
+            <a:spLocks noGrp="1"/>
+          </p:cNvSpPr>
+          <p:nvPr>
+            <p:ph type="title"/>
+          </p:nvPr>
+        </p:nvSpPr>
+        <p:spPr/>
+        <p:txBody>
+          <a:bodyPr/>
+          <a:lstStyle/>
+          <a:p>
+            <a:r>
+              <a:rPr lang="en-US" dirty="0" smtClean="0"/>
+              <a:t>Basic Introduction</a:t>
+            </a:r>
+            <a:endParaRPr lang="en-US" dirty="0"/>
+          </a:p>
+        </p:txBody>
+      </p:sp>
+      <p:sp>
+        <p:nvSpPr>
+          <p:cNvPr id="7" name="Text Placeholder 6"/>
+          <p:cNvSpPr>
+            <a:spLocks noGrp="1"/>
+          </p:cNvSpPr>
+          <p:nvPr>
+            <p:ph type="body" idx="1"/>
+          </p:nvPr>
+        </p:nvSpPr>
+        <p:spPr/>
+        <p:txBody>
+          <a:bodyPr/>
+          <a:lstStyle/>
+          <a:p>
+            <a:r>
+              <a:rPr lang="en-US" dirty="0" smtClean="0"/>
+              <a:t>What is DocFX</a:t>
+            </a:r>
+          </a:p>
+          <a:p>
+            <a:endParaRPr lang="en-US" dirty="0"/>
+          </a:p>
+        </p:txBody>
+      </p:sp>
+    </p:spTree>
+    <p:extLst>
+      <p:ext uri="{BB962C8B-B14F-4D97-AF65-F5344CB8AC3E}">
+        <p14:creationId xmlns:p14="http://schemas.microsoft.com/office/powerpoint/2010/main" val="3636878867"/>
+      </p:ext>
+    </p:extLst>
+  </p:cSld>
+  <p:clrMapOvr>
+    <a:masterClrMapping/>
+  </p:clrMapOvr>
+  <mc:AlternateContent xmlns:mc="http://schemas.openxmlformats.org/markup-compatibility/2006" xmlns:p14="http://schemas.microsoft.com/office/powerpoint/2010/main">
+    <mc:Choice Requires="p14">
+      <p:transition spd="med" p14:dur="700">
+        <p:fade/>
+      </p:transition>
+    </mc:Choice>
+    <mc:Fallback xmlns="">
+      <p:transition spd="med">
+        <p:fade/>
+      </p:transition>
+    </mc:Fallback>
+  </mc:AlternateContent>
+  <p:timing>
+    <p:tnLst>
+      <p:par>
+        <p:cTn id="1" dur="indefinite" restart="never" nodeType="tmRoot"/>
+      </p:par>
+    </p:tnLst>
+  </p:timing>
+</p:sld>
+</file>
+
+<file path=ppt/slides/slide4.xml><?xml version="1.0" encoding="utf-8"?>
+<p:sld xmlns:a="http://schemas.openxmlformats.org/drawingml/2006/main" xmlns:r="http://schemas.openxmlformats.org/officeDocument/2006/relationships" xmlns:p="http://schemas.openxmlformats.org/presentationml/2006/main">
+  <p:cSld>
+    <p:spTree>
+      <p:nvGrpSpPr>
+        <p:cNvPr id="1" name=""/>
+        <p:cNvGrpSpPr/>
+        <p:nvPr/>
+      </p:nvGrpSpPr>
+      <p:grpSpPr>
+        <a:xfrm>
+          <a:off x="0" y="0"/>
+          <a:ext cx="0" cy="0"/>
+          <a:chOff x="0" y="0"/>
+          <a:chExt cx="0" cy="0"/>
+        </a:xfrm>
+      </p:grpSpPr>
+      <p:sp>
+        <p:nvSpPr>
+          <p:cNvPr id="4" name="Title 3"/>
+          <p:cNvSpPr>
+            <a:spLocks noGrp="1"/>
+          </p:cNvSpPr>
+          <p:nvPr>
+            <p:ph type="title"/>
+          </p:nvPr>
+        </p:nvSpPr>
+        <p:spPr/>
+        <p:txBody>
+          <a:bodyPr/>
+          <a:lstStyle/>
+          <a:p>
+            <a:r>
+              <a:rPr lang="en-US" dirty="0" smtClean="0"/>
+              <a:t>What is </a:t>
+            </a:r>
+            <a:r>
+              <a:rPr lang="en-US" dirty="0">
+                <a:latin typeface="Rockwell" panose="02060603020205020403" pitchFamily="18" charset="0"/>
+              </a:rPr>
+              <a:t>DocFX</a:t>
+            </a:r>
+            <a:endParaRPr lang="en-US" dirty="0"/>
+          </a:p>
+        </p:txBody>
+      </p:sp>
+      <p:sp>
+        <p:nvSpPr>
+          <p:cNvPr id="5" name="Content Placeholder 4"/>
+          <p:cNvSpPr>
+            <a:spLocks noGrp="1"/>
+          </p:cNvSpPr>
+          <p:nvPr>
+            <p:ph idx="1"/>
+          </p:nvPr>
+        </p:nvSpPr>
+        <p:spPr/>
+        <p:txBody>
+          <a:bodyPr>
+            <a:normAutofit lnSpcReduction="10000"/>
+          </a:bodyPr>
+          <a:lstStyle/>
+          <a:p>
+            <a:r>
+              <a:rPr lang="en-US" dirty="0" smtClean="0"/>
+              <a:t>A tool to generate</a:t>
+            </a:r>
+          </a:p>
+          <a:p>
+            <a:pPr lvl="1"/>
+            <a:r>
+              <a:rPr lang="en-US" dirty="0" smtClean="0"/>
+              <a:t>Website</a:t>
+            </a:r>
+          </a:p>
+          <a:p>
+            <a:pPr lvl="1"/>
+            <a:r>
+              <a:rPr lang="en-US" dirty="0" smtClean="0"/>
+              <a:t>PDF file</a:t>
+            </a:r>
+          </a:p>
+          <a:p>
+            <a:r>
+              <a:rPr lang="en-US" dirty="0" smtClean="0"/>
+              <a:t>From</a:t>
+            </a:r>
+          </a:p>
+          <a:p>
+            <a:pPr lvl="1"/>
+            <a:r>
+              <a:rPr lang="en-US" dirty="0" smtClean="0"/>
+              <a:t>Source code</a:t>
+            </a:r>
+          </a:p>
+          <a:p>
+            <a:pPr lvl="2"/>
+            <a:r>
+              <a:rPr lang="en-US" dirty="0" smtClean="0"/>
+              <a:t>.NET</a:t>
+            </a:r>
+          </a:p>
+          <a:p>
+            <a:pPr lvl="2"/>
+            <a:r>
+              <a:rPr lang="en-US" dirty="0" smtClean="0"/>
+              <a:t>REST Swagger file</a:t>
+            </a:r>
+          </a:p>
+          <a:p>
+            <a:pPr lvl="2"/>
+            <a:r>
+              <a:rPr lang="en-US" dirty="0" smtClean="0"/>
+              <a:t>Other languages…</a:t>
+            </a:r>
+          </a:p>
+          <a:p>
+            <a:pPr lvl="1"/>
+            <a:r>
+              <a:rPr lang="en-US" dirty="0" smtClean="0"/>
+              <a:t>Markdown files</a:t>
+            </a:r>
+          </a:p>
+          <a:p>
+            <a:pPr lvl="1"/>
+            <a:r>
+              <a:rPr lang="en-US" dirty="0" smtClean="0"/>
+              <a:t>Together</a:t>
+            </a:r>
+          </a:p>
+          <a:p>
+            <a:pPr lvl="1"/>
+            <a:endParaRPr lang="en-US" dirty="0" smtClean="0"/>
+          </a:p>
+          <a:p>
+            <a:pPr lvl="1"/>
+            <a:endParaRPr lang="en-US" dirty="0"/>
+          </a:p>
+        </p:txBody>
+      </p:sp>
+    </p:spTree>
+    <p:extLst>
+      <p:ext uri="{BB962C8B-B14F-4D97-AF65-F5344CB8AC3E}">
+        <p14:creationId xmlns:p14="http://schemas.microsoft.com/office/powerpoint/2010/main" val="2518040958"/>
+      </p:ext>
+    </p:extLst>
+  </p:cSld>
+  <p:clrMapOvr>
+    <a:masterClrMapping/>
+  </p:clrMapOvr>
+  <mc:AlternateContent xmlns:mc="http://schemas.openxmlformats.org/markup-compatibility/2006" xmlns:p14="http://schemas.microsoft.com/office/powerpoint/2010/main">
+    <mc:Choice Requires="p14">
+      <p:transition spd="med" p14:dur="700">
+        <p:fade/>
+      </p:transition>
+    </mc:Choice>
+    <mc:Fallback xmlns="">
+      <p:transition spd="med">
+        <p:fade/>
+      </p:transition>
+    </mc:Fallback>
+  </mc:AlternateContent>
+  <p:timing>
+    <p:tnLst>
+      <p:par>
+        <p:cTn id="1" dur="indefinite" restart="never" nodeType="tmRoot"/>
+      </p:par>
+    </p:tnLst>
+  </p:timing>
+</p:sld>
+</file>
+
+<file path=ppt/slides/slide5.xml><?xml version="1.0" encoding="utf-8"?>
+<p:sld xmlns:a="http://schemas.openxmlformats.org/drawingml/2006/main" xmlns:r="http://schemas.openxmlformats.org/officeDocument/2006/relationships" xmlns:p="http://schemas.openxmlformats.org/presentationml/2006/main">
+  <p:cSld>
+    <p:spTree>
+      <p:nvGrpSpPr>
+        <p:cNvPr id="1" name=""/>
+        <p:cNvGrpSpPr/>
+        <p:nvPr/>
+      </p:nvGrpSpPr>
+      <p:grpSpPr>
+        <a:xfrm>
+          <a:off x="0" y="0"/>
+          <a:ext cx="0" cy="0"/>
+          <a:chOff x="0" y="0"/>
+          <a:chExt cx="0" cy="0"/>
+        </a:xfrm>
+      </p:grpSpPr>
+      <p:sp>
+        <p:nvSpPr>
+          <p:cNvPr id="2" name="Title 1"/>
+          <p:cNvSpPr>
+            <a:spLocks noGrp="1"/>
+          </p:cNvSpPr>
+          <p:nvPr>
+            <p:ph type="title"/>
+          </p:nvPr>
+        </p:nvSpPr>
+        <p:spPr/>
+        <p:txBody>
+          <a:bodyPr/>
+          <a:lstStyle/>
+          <a:p>
+            <a:r>
+              <a:rPr lang="en-US" dirty="0" smtClean="0"/>
+              <a:t>Website + PDF (Demo)</a:t>
+            </a:r>
+            <a:endParaRPr lang="en-US" dirty="0"/>
+          </a:p>
+        </p:txBody>
+      </p:sp>
+      <p:sp>
+        <p:nvSpPr>
+          <p:cNvPr id="3" name="Content Placeholder 2"/>
+          <p:cNvSpPr>
+            <a:spLocks noGrp="1"/>
+          </p:cNvSpPr>
+          <p:nvPr>
+            <p:ph idx="1"/>
+          </p:nvPr>
+        </p:nvSpPr>
+        <p:spPr/>
+        <p:txBody>
+          <a:bodyPr/>
+          <a:lstStyle/>
+          <a:p>
+            <a:r>
+              <a:rPr lang="en-US" dirty="0" smtClean="0"/>
+              <a:t>GitHub integration</a:t>
+            </a:r>
+          </a:p>
+          <a:p>
+            <a:pPr lvl="1"/>
+            <a:r>
+              <a:rPr lang="en-US" dirty="0" smtClean="0"/>
+              <a:t>Able to track back to source code</a:t>
+            </a:r>
+          </a:p>
+          <a:p>
+            <a:pPr lvl="1"/>
+            <a:r>
+              <a:rPr lang="en-US" dirty="0" smtClean="0"/>
+              <a:t>Encourage contribution</a:t>
+            </a:r>
+          </a:p>
+          <a:p>
+            <a:r>
+              <a:rPr lang="en-US" dirty="0" smtClean="0"/>
+              <a:t>Demo:</a:t>
+            </a:r>
+          </a:p>
+          <a:p>
+            <a:pPr lvl="1"/>
+            <a:r>
+              <a:rPr lang="en-US" dirty="0" smtClean="0"/>
+              <a:t>Create simple </a:t>
+            </a:r>
+            <a:r>
+              <a:rPr lang="en-US" dirty="0" err="1" smtClean="0"/>
+              <a:t>csharp</a:t>
+            </a:r>
+            <a:r>
+              <a:rPr lang="en-US" dirty="0" smtClean="0"/>
+              <a:t> project =&gt; run </a:t>
+            </a:r>
+            <a:r>
+              <a:rPr lang="en-US" dirty="0" err="1" smtClean="0"/>
+              <a:t>docfx</a:t>
+            </a:r>
+            <a:r>
+              <a:rPr lang="en-US" dirty="0" smtClean="0"/>
+              <a:t> –serve =&gt; website</a:t>
+            </a:r>
+          </a:p>
+          <a:p>
+            <a:pPr lvl="1"/>
+            <a:r>
+              <a:rPr lang="en-US" dirty="0" smtClean="0"/>
+              <a:t>Push project to </a:t>
+            </a:r>
+            <a:r>
+              <a:rPr lang="en-US" dirty="0" err="1" smtClean="0"/>
+              <a:t>github</a:t>
+            </a:r>
+            <a:r>
+              <a:rPr lang="en-US" dirty="0" smtClean="0"/>
+              <a:t> =&gt; run </a:t>
+            </a:r>
+            <a:r>
+              <a:rPr lang="en-US" dirty="0" err="1" smtClean="0"/>
+              <a:t>docfx</a:t>
+            </a:r>
+            <a:r>
+              <a:rPr lang="en-US" dirty="0" smtClean="0"/>
+              <a:t> –serve =&gt; website with </a:t>
+            </a:r>
+            <a:r>
+              <a:rPr lang="en-US" dirty="0" err="1" smtClean="0"/>
+              <a:t>github</a:t>
+            </a:r>
+            <a:r>
+              <a:rPr lang="en-US" dirty="0" smtClean="0"/>
+              <a:t> integration</a:t>
+            </a:r>
+          </a:p>
+          <a:p>
+            <a:pPr lvl="1"/>
+            <a:r>
+              <a:rPr lang="en-US" dirty="0" smtClean="0"/>
+              <a:t>Using </a:t>
+            </a:r>
+            <a:r>
+              <a:rPr lang="en-US" dirty="0" err="1" smtClean="0"/>
+              <a:t>docfx</a:t>
+            </a:r>
+            <a:r>
+              <a:rPr lang="en-US" dirty="0" smtClean="0"/>
+              <a:t> </a:t>
+            </a:r>
+            <a:r>
+              <a:rPr lang="en-US" dirty="0" err="1" smtClean="0"/>
+              <a:t>init</a:t>
+            </a:r>
+            <a:r>
+              <a:rPr lang="en-US" dirty="0" smtClean="0"/>
+              <a:t>, Add conceptual file, add overwrite file</a:t>
+            </a:r>
+          </a:p>
+          <a:p>
+            <a:pPr lvl="1"/>
+            <a:r>
+              <a:rPr lang="en-US" dirty="0" smtClean="0"/>
+              <a:t>Generate PDF</a:t>
+            </a:r>
+          </a:p>
+        </p:txBody>
+      </p:sp>
+    </p:spTree>
+    <p:extLst>
+      <p:ext uri="{BB962C8B-B14F-4D97-AF65-F5344CB8AC3E}">
+        <p14:creationId xmlns:p14="http://schemas.microsoft.com/office/powerpoint/2010/main" val="1584841918"/>
+      </p:ext>
+    </p:extLst>
+  </p:cSld>
+  <p:clrMapOvr>
+    <a:masterClrMapping/>
+  </p:clrMapOvr>
+  <mc:AlternateContent xmlns:mc="http://schemas.openxmlformats.org/markup-compatibility/2006" xmlns:p14="http://schemas.microsoft.com/office/powerpoint/2010/main">
+    <mc:Choice Requires="p14">
+      <p:transition spd="med" p14:dur="700">
+        <p:fade/>
+      </p:transition>
+    </mc:Choice>
+    <mc:Fallback xmlns="">
+      <p:transition spd="med">
+        <p:fade/>
+      </p:transition>
+    </mc:Fallback>
+  </mc:AlternateContent>
+  <p:timing>
+    <p:tnLst>
+      <p:par>
+        <p:cTn id="1" dur="indefinite" restart="never" nodeType="tmRoot"/>
+      </p:par>
+    </p:tnLst>
+  </p:timing>
+</p:sld>
+</file>
+
+<file path=ppt/slides/slide6.xml><?xml version="1.0" encoding="utf-8"?>
+<p:sld xmlns:a="http://schemas.openxmlformats.org/drawingml/2006/main" xmlns:r="http://schemas.openxmlformats.org/officeDocument/2006/relationships" xmlns:p="http://schemas.openxmlformats.org/presentationml/2006/main">
+  <p:cSld>
+    <p:spTree>
+      <p:nvGrpSpPr>
+        <p:cNvPr id="1" name=""/>
+        <p:cNvGrpSpPr/>
+        <p:nvPr/>
+      </p:nvGrpSpPr>
+      <p:grpSpPr>
+        <a:xfrm>
+          <a:off x="0" y="0"/>
+          <a:ext cx="0" cy="0"/>
+          <a:chOff x="0" y="0"/>
+          <a:chExt cx="0" cy="0"/>
+        </a:xfrm>
+      </p:grpSpPr>
+      <p:sp>
+        <p:nvSpPr>
           <p:cNvPr id="2" name="Title 1">
             <a:extLst>
               <a:ext uri="{FF2B5EF4-FFF2-40B4-BE49-F238E27FC236}">
-                <a16:creationId xmlns:a16="http://schemas.microsoft.com/office/drawing/2014/main" id="{A9B10D78-2336-403B-94BE-2DD2E7C69DDE}"/>
+                <a16:creationId xmlns:a16="http://schemas.microsoft.com/office/drawing/2014/main" xmlns="" id="{A9B10D78-2336-403B-94BE-2DD2E7C69DDE}"/>
               </a:ext>
             </a:extLst>
           </p:cNvPr>
@@ -5745,7 +8349,7 @@
           <p:cNvPr id="3" name="Content Placeholder 2">
             <a:extLst>
               <a:ext uri="{FF2B5EF4-FFF2-40B4-BE49-F238E27FC236}">
-                <a16:creationId xmlns:a16="http://schemas.microsoft.com/office/drawing/2014/main" id="{C40A2496-E2AC-4A4B-8F4C-6B7E16D2F6CF}"/>
+                <a16:creationId xmlns:a16="http://schemas.microsoft.com/office/drawing/2014/main" xmlns="" id="{C40A2496-E2AC-4A4B-8F4C-6B7E16D2F6CF}"/>
               </a:ext>
             </a:extLst>
           </p:cNvPr>
@@ -5875,7 +8479,7 @@
           <p:cNvPr id="4" name="Picture 3">
             <a:extLst>
               <a:ext uri="{FF2B5EF4-FFF2-40B4-BE49-F238E27FC236}">
-                <a16:creationId xmlns:a16="http://schemas.microsoft.com/office/drawing/2014/main" id="{F35BF929-B6E1-482C-8D94-DFCA465D2C24}"/>
+                <a16:creationId xmlns:a16="http://schemas.microsoft.com/office/drawing/2014/main" xmlns="" id="{F35BF929-B6E1-482C-8D94-DFCA465D2C24}"/>
               </a:ext>
             </a:extLst>
           </p:cNvPr>
@@ -5922,10 +8526,17 @@
       </p:transition>
     </mc:Fallback>
   </mc:AlternateContent>
+  <p:timing>
+    <p:tnLst>
+      <p:par>
+        <p:cTn id="1" dur="indefinite" restart="never" nodeType="tmRoot"/>
+      </p:par>
+    </p:tnLst>
+  </p:timing>
 </p:sld>
 </file>
 
-<file path=ppt/slides/slide4.xml><?xml version="1.0" encoding="utf-8"?>
+<file path=ppt/slides/slide7.xml><?xml version="1.0" encoding="utf-8"?>
 <p:sld xmlns:a="http://schemas.openxmlformats.org/drawingml/2006/main" xmlns:r="http://schemas.openxmlformats.org/officeDocument/2006/relationships" xmlns:p="http://schemas.openxmlformats.org/presentationml/2006/main">
   <p:cSld>
     <p:spTree>
@@ -5947,7 +8558,7 @@
           <p:cNvPr id="2" name="Title 1">
             <a:extLst>
               <a:ext uri="{FF2B5EF4-FFF2-40B4-BE49-F238E27FC236}">
-                <a16:creationId xmlns:a16="http://schemas.microsoft.com/office/drawing/2014/main" id="{A9B10D78-2336-403B-94BE-2DD2E7C69DDE}"/>
+                <a16:creationId xmlns:a16="http://schemas.microsoft.com/office/drawing/2014/main" xmlns="" id="{A9B10D78-2336-403B-94BE-2DD2E7C69DDE}"/>
               </a:ext>
             </a:extLst>
           </p:cNvPr>
@@ -5976,7 +8587,7 @@
           <p:cNvPr id="3" name="Content Placeholder 2">
             <a:extLst>
               <a:ext uri="{FF2B5EF4-FFF2-40B4-BE49-F238E27FC236}">
-                <a16:creationId xmlns:a16="http://schemas.microsoft.com/office/drawing/2014/main" id="{C40A2496-E2AC-4A4B-8F4C-6B7E16D2F6CF}"/>
+                <a16:creationId xmlns:a16="http://schemas.microsoft.com/office/drawing/2014/main" xmlns="" id="{C40A2496-E2AC-4A4B-8F4C-6B7E16D2F6CF}"/>
               </a:ext>
             </a:extLst>
           </p:cNvPr>
@@ -6131,7 +8742,7 @@
           <p:cNvPr id="4" name="Picture 3">
             <a:extLst>
               <a:ext uri="{FF2B5EF4-FFF2-40B4-BE49-F238E27FC236}">
-                <a16:creationId xmlns:a16="http://schemas.microsoft.com/office/drawing/2014/main" id="{F35BF929-B6E1-482C-8D94-DFCA465D2C24}"/>
+                <a16:creationId xmlns:a16="http://schemas.microsoft.com/office/drawing/2014/main" xmlns="" id="{F35BF929-B6E1-482C-8D94-DFCA465D2C24}"/>
               </a:ext>
             </a:extLst>
           </p:cNvPr>
@@ -6178,10 +8789,17 @@
       </p:transition>
     </mc:Fallback>
   </mc:AlternateContent>
+  <p:timing>
+    <p:tnLst>
+      <p:par>
+        <p:cTn id="1" dur="indefinite" restart="never" nodeType="tmRoot"/>
+      </p:par>
+    </p:tnLst>
+  </p:timing>
 </p:sld>
 </file>
 
-<file path=ppt/slides/slide5.xml><?xml version="1.0" encoding="utf-8"?>
+<file path=ppt/slides/slide8.xml><?xml version="1.0" encoding="utf-8"?>
 <p:sld xmlns:a="http://schemas.openxmlformats.org/drawingml/2006/main" xmlns:r="http://schemas.openxmlformats.org/officeDocument/2006/relationships" xmlns:p="http://schemas.openxmlformats.org/presentationml/2006/main">
   <p:cSld>
     <p:spTree>
@@ -6203,7 +8821,7 @@
           <p:cNvPr id="2" name="Title 1">
             <a:extLst>
               <a:ext uri="{FF2B5EF4-FFF2-40B4-BE49-F238E27FC236}">
-                <a16:creationId xmlns:a16="http://schemas.microsoft.com/office/drawing/2014/main" id="{A9B10D78-2336-403B-94BE-2DD2E7C69DDE}"/>
+                <a16:creationId xmlns:a16="http://schemas.microsoft.com/office/drawing/2014/main" xmlns="" id="{A9B10D78-2336-403B-94BE-2DD2E7C69DDE}"/>
               </a:ext>
             </a:extLst>
           </p:cNvPr>
@@ -6232,7 +8850,7 @@
           <p:cNvPr id="3" name="Content Placeholder 2">
             <a:extLst>
               <a:ext uri="{FF2B5EF4-FFF2-40B4-BE49-F238E27FC236}">
-                <a16:creationId xmlns:a16="http://schemas.microsoft.com/office/drawing/2014/main" id="{C40A2496-E2AC-4A4B-8F4C-6B7E16D2F6CF}"/>
+                <a16:creationId xmlns:a16="http://schemas.microsoft.com/office/drawing/2014/main" xmlns="" id="{C40A2496-E2AC-4A4B-8F4C-6B7E16D2F6CF}"/>
               </a:ext>
             </a:extLst>
           </p:cNvPr>
@@ -6297,10 +8915,10 @@
       </p:sp>
       <p:pic>
         <p:nvPicPr>
-          <p:cNvPr id="6" name="Picture 5">
+          <p:cNvPr id="8" name="Picture 7">
             <a:extLst>
               <a:ext uri="{FF2B5EF4-FFF2-40B4-BE49-F238E27FC236}">
-                <a16:creationId xmlns:a16="http://schemas.microsoft.com/office/drawing/2014/main" id="{D3196538-EA32-4284-9AA0-03B43BEE0366}"/>
+                <a16:creationId xmlns:a16="http://schemas.microsoft.com/office/drawing/2014/main" xmlns="" id="{808E6FD1-F934-4488-9BE7-9E7698AB6693}"/>
               </a:ext>
             </a:extLst>
           </p:cNvPr>
@@ -6310,42 +8928,7 @@
           <p:nvPr/>
         </p:nvPicPr>
         <p:blipFill rotWithShape="1">
-          <a:blip r:embed="rId3" cstate="print">
-            <a:extLst>
-              <a:ext uri="{28A0092B-C50C-407E-A947-70E740481C1C}">
-                <a14:useLocalDpi xmlns:a14="http://schemas.microsoft.com/office/drawing/2010/main" val="0"/>
-              </a:ext>
-            </a:extLst>
-          </a:blip>
-          <a:srcRect l="11796" t="16740" r="1381" b="11578"/>
-          <a:stretch/>
-        </p:blipFill>
-        <p:spPr>
-          <a:xfrm>
-            <a:off x="6788657" y="2028926"/>
-            <a:ext cx="4793743" cy="2383054"/>
-          </a:xfrm>
-          <a:prstGeom prst="rect">
-            <a:avLst/>
-          </a:prstGeom>
-        </p:spPr>
-      </p:pic>
-      <p:pic>
-        <p:nvPicPr>
-          <p:cNvPr id="8" name="Picture 7">
-            <a:extLst>
-              <a:ext uri="{FF2B5EF4-FFF2-40B4-BE49-F238E27FC236}">
-                <a16:creationId xmlns:a16="http://schemas.microsoft.com/office/drawing/2014/main" id="{808E6FD1-F934-4488-9BE7-9E7698AB6693}"/>
-              </a:ext>
-            </a:extLst>
-          </p:cNvPr>
-          <p:cNvPicPr>
-            <a:picLocks noChangeAspect="1"/>
-          </p:cNvPicPr>
-          <p:nvPr/>
-        </p:nvPicPr>
-        <p:blipFill rotWithShape="1">
-          <a:blip r:embed="rId4"/>
+          <a:blip r:embed="rId3"/>
           <a:srcRect l="17944" t="25544" r="43098" b="24631"/>
           <a:stretch/>
         </p:blipFill>
@@ -6364,7 +8947,7 @@
           <p:cNvPr id="9" name="Picture 8">
             <a:extLst>
               <a:ext uri="{FF2B5EF4-FFF2-40B4-BE49-F238E27FC236}">
-                <a16:creationId xmlns:a16="http://schemas.microsoft.com/office/drawing/2014/main" id="{83501998-588F-45EA-8DBD-821718D32ABB}"/>
+                <a16:creationId xmlns:a16="http://schemas.microsoft.com/office/drawing/2014/main" xmlns="" id="{83501998-588F-45EA-8DBD-821718D32ABB}"/>
               </a:ext>
             </a:extLst>
           </p:cNvPr>
@@ -6374,7 +8957,7 @@
           <p:nvPr/>
         </p:nvPicPr>
         <p:blipFill>
-          <a:blip r:embed="rId5"/>
+          <a:blip r:embed="rId4"/>
           <a:stretch>
             <a:fillRect/>
           </a:stretch>
@@ -6411,10 +8994,17 @@
       </p:transition>
     </mc:Fallback>
   </mc:AlternateContent>
+  <p:timing>
+    <p:tnLst>
+      <p:par>
+        <p:cTn id="1" dur="indefinite" restart="never" nodeType="tmRoot"/>
+      </p:par>
+    </p:tnLst>
+  </p:timing>
 </p:sld>
 </file>
 
-<file path=ppt/slides/slide6.xml><?xml version="1.0" encoding="utf-8"?>
+<file path=ppt/slides/slide9.xml><?xml version="1.0" encoding="utf-8"?>
 <p:sld xmlns:a="http://schemas.openxmlformats.org/drawingml/2006/main" xmlns:r="http://schemas.openxmlformats.org/officeDocument/2006/relationships" xmlns:p="http://schemas.openxmlformats.org/presentationml/2006/main">
   <p:cSld>
     <p:spTree>
@@ -6436,7 +9026,7 @@
           <p:cNvPr id="2" name="Title 1">
             <a:extLst>
               <a:ext uri="{FF2B5EF4-FFF2-40B4-BE49-F238E27FC236}">
-                <a16:creationId xmlns:a16="http://schemas.microsoft.com/office/drawing/2014/main" id="{7203C39E-C5CD-4681-8A0D-4A5FCE0B9179}"/>
+                <a16:creationId xmlns:a16="http://schemas.microsoft.com/office/drawing/2014/main" xmlns="" id="{7203C39E-C5CD-4681-8A0D-4A5FCE0B9179}"/>
               </a:ext>
             </a:extLst>
           </p:cNvPr>
@@ -6461,7 +9051,7 @@
           <p:cNvPr id="4" name="Content Placeholder 3">
             <a:extLst>
               <a:ext uri="{FF2B5EF4-FFF2-40B4-BE49-F238E27FC236}">
-                <a16:creationId xmlns:a16="http://schemas.microsoft.com/office/drawing/2014/main" id="{F2E19F9C-125C-4BCF-B69B-60D745B4043C}"/>
+                <a16:creationId xmlns:a16="http://schemas.microsoft.com/office/drawing/2014/main" xmlns="" id="{F2E19F9C-125C-4BCF-B69B-60D745B4043C}"/>
               </a:ext>
             </a:extLst>
           </p:cNvPr>
@@ -6493,7 +9083,7 @@
           <p:cNvPr id="6" name="Picture 5">
             <a:extLst>
               <a:ext uri="{FF2B5EF4-FFF2-40B4-BE49-F238E27FC236}">
-                <a16:creationId xmlns:a16="http://schemas.microsoft.com/office/drawing/2014/main" id="{55A6783B-B1F9-4985-97A9-304481C73CF5}"/>
+                <a16:creationId xmlns:a16="http://schemas.microsoft.com/office/drawing/2014/main" xmlns="" id="{55A6783B-B1F9-4985-97A9-304481C73CF5}"/>
               </a:ext>
             </a:extLst>
           </p:cNvPr>
@@ -6540,6 +9130,13 @@
       </p:transition>
     </mc:Fallback>
   </mc:AlternateContent>
+  <p:timing>
+    <p:tnLst>
+      <p:par>
+        <p:cTn id="1" dur="indefinite" restart="never" nodeType="tmRoot"/>
+      </p:par>
+    </p:tnLst>
+  </p:timing>
 </p:sld>
 </file>
 
